--- a/Ejercicios/Ejercicios.pptx
+++ b/Ejercicios/Ejercicios.pptx
@@ -23,6 +23,13 @@
     <p:sldId id="263" r:id="rId17"/>
     <p:sldId id="265" r:id="rId18"/>
     <p:sldId id="266" r:id="rId19"/>
+    <p:sldId id="274" r:id="rId20"/>
+    <p:sldId id="277" r:id="rId21"/>
+    <p:sldId id="278" r:id="rId22"/>
+    <p:sldId id="279" r:id="rId23"/>
+    <p:sldId id="280" r:id="rId24"/>
+    <p:sldId id="275" r:id="rId25"/>
+    <p:sldId id="276" r:id="rId26"/>
   </p:sldIdLst>
   <p:sldSz cx="12192000" cy="6858000"/>
   <p:notesSz cx="6858000" cy="9144000"/>
@@ -303,7 +310,7 @@
             <a:fld id="{87DE6118-2437-4B30-8E3C-4D2BE6020583}" type="datetimeFigureOut">
               <a:rPr lang="en-US" dirty="0"/>
               <a:pPr/>
-              <a:t>11/17/2017</a:t>
+              <a:t>11/24/2017</a:t>
             </a:fld>
             <a:endParaRPr lang="en-US" dirty="0"/>
           </a:p>
@@ -629,7 +636,7 @@
           <a:p>
             <a:fld id="{87DE6118-2437-4B30-8E3C-4D2BE6020583}" type="datetimeFigureOut">
               <a:rPr lang="en-US" dirty="0"/>
-              <a:t>11/17/2017</a:t>
+              <a:t>11/24/2017</a:t>
             </a:fld>
             <a:endParaRPr lang="en-US" dirty="0"/>
           </a:p>
@@ -804,7 +811,7 @@
           <a:p>
             <a:fld id="{87DE6118-2437-4B30-8E3C-4D2BE6020583}" type="datetimeFigureOut">
               <a:rPr lang="en-US" dirty="0"/>
-              <a:t>11/17/2017</a:t>
+              <a:t>11/24/2017</a:t>
             </a:fld>
             <a:endParaRPr lang="en-US" dirty="0"/>
           </a:p>
@@ -969,7 +976,7 @@
           <a:p>
             <a:fld id="{87DE6118-2437-4B30-8E3C-4D2BE6020583}" type="datetimeFigureOut">
               <a:rPr lang="en-US" dirty="0"/>
-              <a:t>11/17/2017</a:t>
+              <a:t>11/24/2017</a:t>
             </a:fld>
             <a:endParaRPr lang="en-US" dirty="0"/>
           </a:p>
@@ -1242,7 +1249,7 @@
             <a:fld id="{87DE6118-2437-4B30-8E3C-4D2BE6020583}" type="datetimeFigureOut">
               <a:rPr lang="en-US" dirty="0"/>
               <a:pPr/>
-              <a:t>11/17/2017</a:t>
+              <a:t>11/24/2017</a:t>
             </a:fld>
             <a:endParaRPr lang="en-US" dirty="0"/>
           </a:p>
@@ -1632,7 +1639,7 @@
           <a:p>
             <a:fld id="{87DE6118-2437-4B30-8E3C-4D2BE6020583}" type="datetimeFigureOut">
               <a:rPr lang="en-US" dirty="0"/>
-              <a:t>11/17/2017</a:t>
+              <a:t>11/24/2017</a:t>
             </a:fld>
             <a:endParaRPr lang="en-US" dirty="0"/>
           </a:p>
@@ -2104,7 +2111,7 @@
           <a:p>
             <a:fld id="{87DE6118-2437-4B30-8E3C-4D2BE6020583}" type="datetimeFigureOut">
               <a:rPr lang="en-US" dirty="0"/>
-              <a:t>11/17/2017</a:t>
+              <a:t>11/24/2017</a:t>
             </a:fld>
             <a:endParaRPr lang="en-US" dirty="0"/>
           </a:p>
@@ -2217,7 +2224,7 @@
           <a:p>
             <a:fld id="{87DE6118-2437-4B30-8E3C-4D2BE6020583}" type="datetimeFigureOut">
               <a:rPr lang="en-US" dirty="0"/>
-              <a:t>11/17/2017</a:t>
+              <a:t>11/24/2017</a:t>
             </a:fld>
             <a:endParaRPr lang="en-US" dirty="0"/>
           </a:p>
@@ -2307,7 +2314,7 @@
           <a:p>
             <a:fld id="{87DE6118-2437-4B30-8E3C-4D2BE6020583}" type="datetimeFigureOut">
               <a:rPr lang="en-US" dirty="0"/>
-              <a:t>11/17/2017</a:t>
+              <a:t>11/24/2017</a:t>
             </a:fld>
             <a:endParaRPr lang="en-US" dirty="0"/>
           </a:p>
@@ -2649,7 +2656,7 @@
             <a:fld id="{87DE6118-2437-4B30-8E3C-4D2BE6020583}" type="datetimeFigureOut">
               <a:rPr lang="en-US" dirty="0"/>
               <a:pPr/>
-              <a:t>11/17/2017</a:t>
+              <a:t>11/24/2017</a:t>
             </a:fld>
             <a:endParaRPr lang="en-US" dirty="0"/>
           </a:p>
@@ -3034,7 +3041,7 @@
             <a:fld id="{87DE6118-2437-4B30-8E3C-4D2BE6020583}" type="datetimeFigureOut">
               <a:rPr lang="en-US" dirty="0"/>
               <a:pPr/>
-              <a:t>11/17/2017</a:t>
+              <a:t>11/24/2017</a:t>
             </a:fld>
             <a:endParaRPr lang="en-US" dirty="0"/>
           </a:p>
@@ -3309,7 +3316,7 @@
             <a:fld id="{87DE6118-2437-4B30-8E3C-4D2BE6020583}" type="datetimeFigureOut">
               <a:rPr lang="en-US" dirty="0"/>
               <a:pPr/>
-              <a:t>11/17/2017</a:t>
+              <a:t>11/24/2017</a:t>
             </a:fld>
             <a:endParaRPr lang="en-US" dirty="0"/>
           </a:p>
@@ -9752,6 +9759,94 @@
 </p:sld>
 </file>
 
+<file path=ppt/slides/slide19.xml><?xml version="1.0" encoding="utf-8"?>
+<p:sld xmlns:a="http://schemas.openxmlformats.org/drawingml/2006/main" xmlns:r="http://schemas.openxmlformats.org/officeDocument/2006/relationships" xmlns:p="http://schemas.openxmlformats.org/presentationml/2006/main">
+  <p:cSld>
+    <p:spTree>
+      <p:nvGrpSpPr>
+        <p:cNvPr id="1" name=""/>
+        <p:cNvGrpSpPr/>
+        <p:nvPr/>
+      </p:nvGrpSpPr>
+      <p:grpSpPr>
+        <a:xfrm>
+          <a:off x="0" y="0"/>
+          <a:ext cx="0" cy="0"/>
+          <a:chOff x="0" y="0"/>
+          <a:chExt cx="0" cy="0"/>
+        </a:xfrm>
+      </p:grpSpPr>
+      <p:sp>
+        <p:nvSpPr>
+          <p:cNvPr id="4" name="Título 3">
+            <a:extLst>
+              <a:ext uri="{FF2B5EF4-FFF2-40B4-BE49-F238E27FC236}">
+                <a16:creationId xmlns:a16="http://schemas.microsoft.com/office/drawing/2014/main" id="{452EE411-43E2-4C41-A02B-A0AFD13748D5}"/>
+              </a:ext>
+            </a:extLst>
+          </p:cNvPr>
+          <p:cNvSpPr>
+            <a:spLocks noGrp="1"/>
+          </p:cNvSpPr>
+          <p:nvPr>
+            <p:ph type="ctrTitle"/>
+          </p:nvPr>
+        </p:nvSpPr>
+        <p:spPr/>
+        <p:txBody>
+          <a:bodyPr/>
+          <a:lstStyle/>
+          <a:p>
+            <a:r>
+              <a:rPr lang="es-419" dirty="0"/>
+              <a:t>2da </a:t>
+            </a:r>
+            <a:r>
+              <a:rPr lang="es-419" dirty="0" err="1"/>
+              <a:t>hiperayudantia</a:t>
+            </a:r>
+            <a:endParaRPr lang="es-419" dirty="0"/>
+          </a:p>
+        </p:txBody>
+      </p:sp>
+      <p:sp>
+        <p:nvSpPr>
+          <p:cNvPr id="5" name="Subtítulo 4">
+            <a:extLst>
+              <a:ext uri="{FF2B5EF4-FFF2-40B4-BE49-F238E27FC236}">
+                <a16:creationId xmlns:a16="http://schemas.microsoft.com/office/drawing/2014/main" id="{3420AB91-B688-4854-B52B-7636FB080881}"/>
+              </a:ext>
+            </a:extLst>
+          </p:cNvPr>
+          <p:cNvSpPr>
+            <a:spLocks noGrp="1"/>
+          </p:cNvSpPr>
+          <p:nvPr>
+            <p:ph type="subTitle" idx="1"/>
+          </p:nvPr>
+        </p:nvSpPr>
+        <p:spPr/>
+        <p:txBody>
+          <a:bodyPr/>
+          <a:lstStyle/>
+          <a:p>
+            <a:endParaRPr lang="es-419"/>
+          </a:p>
+        </p:txBody>
+      </p:sp>
+    </p:spTree>
+    <p:extLst>
+      <p:ext uri="{BB962C8B-B14F-4D97-AF65-F5344CB8AC3E}">
+        <p14:creationId xmlns:p14="http://schemas.microsoft.com/office/powerpoint/2010/main" val="3474286061"/>
+      </p:ext>
+    </p:extLst>
+  </p:cSld>
+  <p:clrMapOvr>
+    <a:masterClrMapping/>
+  </p:clrMapOvr>
+</p:sld>
+</file>
+
 <file path=ppt/slides/slide2.xml><?xml version="1.0" encoding="utf-8"?>
 <p:sld xmlns:a="http://schemas.openxmlformats.org/drawingml/2006/main" xmlns:r="http://schemas.openxmlformats.org/officeDocument/2006/relationships" xmlns:p="http://schemas.openxmlformats.org/presentationml/2006/main">
   <p:cSld>
@@ -10121,6 +10216,417 @@
     <p:extLst>
       <p:ext uri="{BB962C8B-B14F-4D97-AF65-F5344CB8AC3E}">
         <p14:creationId xmlns:p14="http://schemas.microsoft.com/office/powerpoint/2010/main" val="2845533706"/>
+      </p:ext>
+    </p:extLst>
+  </p:cSld>
+  <p:clrMapOvr>
+    <a:masterClrMapping/>
+  </p:clrMapOvr>
+</p:sld>
+</file>
+
+<file path=ppt/slides/slide20.xml><?xml version="1.0" encoding="utf-8"?>
+<p:sld xmlns:a="http://schemas.openxmlformats.org/drawingml/2006/main" xmlns:r="http://schemas.openxmlformats.org/officeDocument/2006/relationships" xmlns:p="http://schemas.openxmlformats.org/presentationml/2006/main">
+  <p:cSld>
+    <p:spTree>
+      <p:nvGrpSpPr>
+        <p:cNvPr id="1" name=""/>
+        <p:cNvGrpSpPr/>
+        <p:nvPr/>
+      </p:nvGrpSpPr>
+      <p:grpSpPr>
+        <a:xfrm>
+          <a:off x="0" y="0"/>
+          <a:ext cx="0" cy="0"/>
+          <a:chOff x="0" y="0"/>
+          <a:chExt cx="0" cy="0"/>
+        </a:xfrm>
+      </p:grpSpPr>
+      <p:pic>
+        <p:nvPicPr>
+          <p:cNvPr id="4" name="Imagen 3">
+            <a:extLst>
+              <a:ext uri="{FF2B5EF4-FFF2-40B4-BE49-F238E27FC236}">
+                <a16:creationId xmlns:a16="http://schemas.microsoft.com/office/drawing/2014/main" id="{A4030108-CBF1-4B3B-86C9-4B99D13A9A04}"/>
+              </a:ext>
+            </a:extLst>
+          </p:cNvPr>
+          <p:cNvPicPr>
+            <a:picLocks noChangeAspect="1"/>
+          </p:cNvPicPr>
+          <p:nvPr/>
+        </p:nvPicPr>
+        <p:blipFill>
+          <a:blip r:embed="rId2"/>
+          <a:stretch>
+            <a:fillRect/>
+          </a:stretch>
+        </p:blipFill>
+        <p:spPr>
+          <a:xfrm>
+            <a:off x="152960" y="429183"/>
+            <a:ext cx="11896211" cy="6092639"/>
+          </a:xfrm>
+          <a:prstGeom prst="rect">
+            <a:avLst/>
+          </a:prstGeom>
+        </p:spPr>
+      </p:pic>
+    </p:spTree>
+    <p:extLst>
+      <p:ext uri="{BB962C8B-B14F-4D97-AF65-F5344CB8AC3E}">
+        <p14:creationId xmlns:p14="http://schemas.microsoft.com/office/powerpoint/2010/main" val="148847013"/>
+      </p:ext>
+    </p:extLst>
+  </p:cSld>
+  <p:clrMapOvr>
+    <a:masterClrMapping/>
+  </p:clrMapOvr>
+</p:sld>
+</file>
+
+<file path=ppt/slides/slide21.xml><?xml version="1.0" encoding="utf-8"?>
+<p:sld xmlns:a="http://schemas.openxmlformats.org/drawingml/2006/main" xmlns:r="http://schemas.openxmlformats.org/officeDocument/2006/relationships" xmlns:p="http://schemas.openxmlformats.org/presentationml/2006/main">
+  <p:cSld>
+    <p:spTree>
+      <p:nvGrpSpPr>
+        <p:cNvPr id="1" name=""/>
+        <p:cNvGrpSpPr/>
+        <p:nvPr/>
+      </p:nvGrpSpPr>
+      <p:grpSpPr>
+        <a:xfrm>
+          <a:off x="0" y="0"/>
+          <a:ext cx="0" cy="0"/>
+          <a:chOff x="0" y="0"/>
+          <a:chExt cx="0" cy="0"/>
+        </a:xfrm>
+      </p:grpSpPr>
+      <p:pic>
+        <p:nvPicPr>
+          <p:cNvPr id="2" name="Imagen 1">
+            <a:extLst>
+              <a:ext uri="{FF2B5EF4-FFF2-40B4-BE49-F238E27FC236}">
+                <a16:creationId xmlns:a16="http://schemas.microsoft.com/office/drawing/2014/main" id="{1E827C0F-7B38-430E-8AFA-2592A5F275A1}"/>
+              </a:ext>
+            </a:extLst>
+          </p:cNvPr>
+          <p:cNvPicPr>
+            <a:picLocks noChangeAspect="1"/>
+          </p:cNvPicPr>
+          <p:nvPr/>
+        </p:nvPicPr>
+        <p:blipFill>
+          <a:blip r:embed="rId2"/>
+          <a:stretch>
+            <a:fillRect/>
+          </a:stretch>
+        </p:blipFill>
+        <p:spPr>
+          <a:xfrm>
+            <a:off x="165287" y="95809"/>
+            <a:ext cx="11913676" cy="6573931"/>
+          </a:xfrm>
+          <a:prstGeom prst="rect">
+            <a:avLst/>
+          </a:prstGeom>
+        </p:spPr>
+      </p:pic>
+    </p:spTree>
+    <p:extLst>
+      <p:ext uri="{BB962C8B-B14F-4D97-AF65-F5344CB8AC3E}">
+        <p14:creationId xmlns:p14="http://schemas.microsoft.com/office/powerpoint/2010/main" val="3074465409"/>
+      </p:ext>
+    </p:extLst>
+  </p:cSld>
+  <p:clrMapOvr>
+    <a:masterClrMapping/>
+  </p:clrMapOvr>
+</p:sld>
+</file>
+
+<file path=ppt/slides/slide22.xml><?xml version="1.0" encoding="utf-8"?>
+<p:sld xmlns:a="http://schemas.openxmlformats.org/drawingml/2006/main" xmlns:r="http://schemas.openxmlformats.org/officeDocument/2006/relationships" xmlns:p="http://schemas.openxmlformats.org/presentationml/2006/main">
+  <p:cSld>
+    <p:spTree>
+      <p:nvGrpSpPr>
+        <p:cNvPr id="1" name=""/>
+        <p:cNvGrpSpPr/>
+        <p:nvPr/>
+      </p:nvGrpSpPr>
+      <p:grpSpPr>
+        <a:xfrm>
+          <a:off x="0" y="0"/>
+          <a:ext cx="0" cy="0"/>
+          <a:chOff x="0" y="0"/>
+          <a:chExt cx="0" cy="0"/>
+        </a:xfrm>
+      </p:grpSpPr>
+      <p:pic>
+        <p:nvPicPr>
+          <p:cNvPr id="2" name="Imagen 1">
+            <a:extLst>
+              <a:ext uri="{FF2B5EF4-FFF2-40B4-BE49-F238E27FC236}">
+                <a16:creationId xmlns:a16="http://schemas.microsoft.com/office/drawing/2014/main" id="{8278D05C-5EF8-4584-888D-E4C56E1EE106}"/>
+              </a:ext>
+            </a:extLst>
+          </p:cNvPr>
+          <p:cNvPicPr>
+            <a:picLocks noChangeAspect="1"/>
+          </p:cNvPicPr>
+          <p:nvPr/>
+        </p:nvPicPr>
+        <p:blipFill>
+          <a:blip r:embed="rId2"/>
+          <a:stretch>
+            <a:fillRect/>
+          </a:stretch>
+        </p:blipFill>
+        <p:spPr>
+          <a:xfrm>
+            <a:off x="1998569" y="59509"/>
+            <a:ext cx="7750548" cy="6798491"/>
+          </a:xfrm>
+          <a:prstGeom prst="rect">
+            <a:avLst/>
+          </a:prstGeom>
+        </p:spPr>
+      </p:pic>
+    </p:spTree>
+    <p:extLst>
+      <p:ext uri="{BB962C8B-B14F-4D97-AF65-F5344CB8AC3E}">
+        <p14:creationId xmlns:p14="http://schemas.microsoft.com/office/powerpoint/2010/main" val="3234378404"/>
+      </p:ext>
+    </p:extLst>
+  </p:cSld>
+  <p:clrMapOvr>
+    <a:masterClrMapping/>
+  </p:clrMapOvr>
+</p:sld>
+</file>
+
+<file path=ppt/slides/slide23.xml><?xml version="1.0" encoding="utf-8"?>
+<p:sld xmlns:a="http://schemas.openxmlformats.org/drawingml/2006/main" xmlns:r="http://schemas.openxmlformats.org/officeDocument/2006/relationships" xmlns:p="http://schemas.openxmlformats.org/presentationml/2006/main">
+  <p:cSld>
+    <p:spTree>
+      <p:nvGrpSpPr>
+        <p:cNvPr id="1" name=""/>
+        <p:cNvGrpSpPr/>
+        <p:nvPr/>
+      </p:nvGrpSpPr>
+      <p:grpSpPr>
+        <a:xfrm>
+          <a:off x="0" y="0"/>
+          <a:ext cx="0" cy="0"/>
+          <a:chOff x="0" y="0"/>
+          <a:chExt cx="0" cy="0"/>
+        </a:xfrm>
+      </p:grpSpPr>
+      <p:pic>
+        <p:nvPicPr>
+          <p:cNvPr id="2" name="Imagen 1">
+            <a:extLst>
+              <a:ext uri="{FF2B5EF4-FFF2-40B4-BE49-F238E27FC236}">
+                <a16:creationId xmlns:a16="http://schemas.microsoft.com/office/drawing/2014/main" id="{AF4AC6AF-8F54-4180-B553-8377495A6F0B}"/>
+              </a:ext>
+            </a:extLst>
+          </p:cNvPr>
+          <p:cNvPicPr>
+            <a:picLocks noChangeAspect="1"/>
+          </p:cNvPicPr>
+          <p:nvPr/>
+        </p:nvPicPr>
+        <p:blipFill>
+          <a:blip r:embed="rId2"/>
+          <a:stretch>
+            <a:fillRect/>
+          </a:stretch>
+        </p:blipFill>
+        <p:spPr>
+          <a:xfrm>
+            <a:off x="979673" y="366712"/>
+            <a:ext cx="10952844" cy="6124575"/>
+          </a:xfrm>
+          <a:prstGeom prst="rect">
+            <a:avLst/>
+          </a:prstGeom>
+        </p:spPr>
+      </p:pic>
+    </p:spTree>
+    <p:extLst>
+      <p:ext uri="{BB962C8B-B14F-4D97-AF65-F5344CB8AC3E}">
+        <p14:creationId xmlns:p14="http://schemas.microsoft.com/office/powerpoint/2010/main" val="3194620638"/>
+      </p:ext>
+    </p:extLst>
+  </p:cSld>
+  <p:clrMapOvr>
+    <a:masterClrMapping/>
+  </p:clrMapOvr>
+</p:sld>
+</file>
+
+<file path=ppt/slides/slide24.xml><?xml version="1.0" encoding="utf-8"?>
+<p:sld xmlns:a="http://schemas.openxmlformats.org/drawingml/2006/main" xmlns:r="http://schemas.openxmlformats.org/officeDocument/2006/relationships" xmlns:p="http://schemas.openxmlformats.org/presentationml/2006/main">
+  <p:cSld>
+    <p:spTree>
+      <p:nvGrpSpPr>
+        <p:cNvPr id="1" name=""/>
+        <p:cNvGrpSpPr/>
+        <p:nvPr/>
+      </p:nvGrpSpPr>
+      <p:grpSpPr>
+        <a:xfrm>
+          <a:off x="0" y="0"/>
+          <a:ext cx="0" cy="0"/>
+          <a:chOff x="0" y="0"/>
+          <a:chExt cx="0" cy="0"/>
+        </a:xfrm>
+      </p:grpSpPr>
+      <p:pic>
+        <p:nvPicPr>
+          <p:cNvPr id="4" name="Imagen 3">
+            <a:extLst>
+              <a:ext uri="{FF2B5EF4-FFF2-40B4-BE49-F238E27FC236}">
+                <a16:creationId xmlns:a16="http://schemas.microsoft.com/office/drawing/2014/main" id="{48375765-B5C0-4BAE-B305-74BFC16A504E}"/>
+              </a:ext>
+            </a:extLst>
+          </p:cNvPr>
+          <p:cNvPicPr>
+            <a:picLocks noChangeAspect="1"/>
+          </p:cNvPicPr>
+          <p:nvPr/>
+        </p:nvPicPr>
+        <p:blipFill>
+          <a:blip r:embed="rId2"/>
+          <a:stretch>
+            <a:fillRect/>
+          </a:stretch>
+        </p:blipFill>
+        <p:spPr>
+          <a:xfrm>
+            <a:off x="923644" y="-1"/>
+            <a:ext cx="11071132" cy="6737769"/>
+          </a:xfrm>
+          <a:prstGeom prst="rect">
+            <a:avLst/>
+          </a:prstGeom>
+        </p:spPr>
+      </p:pic>
+    </p:spTree>
+    <p:extLst>
+      <p:ext uri="{BB962C8B-B14F-4D97-AF65-F5344CB8AC3E}">
+        <p14:creationId xmlns:p14="http://schemas.microsoft.com/office/powerpoint/2010/main" val="2649607932"/>
+      </p:ext>
+    </p:extLst>
+  </p:cSld>
+  <p:clrMapOvr>
+    <a:masterClrMapping/>
+  </p:clrMapOvr>
+</p:sld>
+</file>
+
+<file path=ppt/slides/slide25.xml><?xml version="1.0" encoding="utf-8"?>
+<p:sld xmlns:a="http://schemas.openxmlformats.org/drawingml/2006/main" xmlns:r="http://schemas.openxmlformats.org/officeDocument/2006/relationships" xmlns:p="http://schemas.openxmlformats.org/presentationml/2006/main">
+  <p:cSld>
+    <p:spTree>
+      <p:nvGrpSpPr>
+        <p:cNvPr id="1" name=""/>
+        <p:cNvGrpSpPr/>
+        <p:nvPr/>
+      </p:nvGrpSpPr>
+      <p:grpSpPr>
+        <a:xfrm>
+          <a:off x="0" y="0"/>
+          <a:ext cx="0" cy="0"/>
+          <a:chOff x="0" y="0"/>
+          <a:chExt cx="0" cy="0"/>
+        </a:xfrm>
+      </p:grpSpPr>
+      <p:grpSp>
+        <p:nvGrpSpPr>
+          <p:cNvPr id="6" name="Grupo 5">
+            <a:extLst>
+              <a:ext uri="{FF2B5EF4-FFF2-40B4-BE49-F238E27FC236}">
+                <a16:creationId xmlns:a16="http://schemas.microsoft.com/office/drawing/2014/main" id="{031BBA17-9339-49A7-9343-8468A8522B0E}"/>
+              </a:ext>
+            </a:extLst>
+          </p:cNvPr>
+          <p:cNvGrpSpPr/>
+          <p:nvPr/>
+        </p:nvGrpSpPr>
+        <p:grpSpPr>
+          <a:xfrm>
+            <a:off x="2354349" y="116541"/>
+            <a:ext cx="7932645" cy="6633883"/>
+            <a:chOff x="1049990" y="116541"/>
+            <a:chExt cx="7886701" cy="7032729"/>
+          </a:xfrm>
+        </p:grpSpPr>
+        <p:pic>
+          <p:nvPicPr>
+            <p:cNvPr id="4" name="Imagen 3">
+              <a:extLst>
+                <a:ext uri="{FF2B5EF4-FFF2-40B4-BE49-F238E27FC236}">
+                  <a16:creationId xmlns:a16="http://schemas.microsoft.com/office/drawing/2014/main" id="{5FC6610D-DCD7-470E-9C04-8B848DE3FA53}"/>
+                </a:ext>
+              </a:extLst>
+            </p:cNvPr>
+            <p:cNvPicPr>
+              <a:picLocks noChangeAspect="1"/>
+            </p:cNvPicPr>
+            <p:nvPr/>
+          </p:nvPicPr>
+          <p:blipFill>
+            <a:blip r:embed="rId2"/>
+            <a:stretch>
+              <a:fillRect/>
+            </a:stretch>
+          </p:blipFill>
+          <p:spPr>
+            <a:xfrm>
+              <a:off x="1049991" y="116541"/>
+              <a:ext cx="7886700" cy="4876800"/>
+            </a:xfrm>
+            <a:prstGeom prst="rect">
+              <a:avLst/>
+            </a:prstGeom>
+          </p:spPr>
+        </p:pic>
+        <p:pic>
+          <p:nvPicPr>
+            <p:cNvPr id="5" name="Imagen 4">
+              <a:extLst>
+                <a:ext uri="{FF2B5EF4-FFF2-40B4-BE49-F238E27FC236}">
+                  <a16:creationId xmlns:a16="http://schemas.microsoft.com/office/drawing/2014/main" id="{B1DE395B-3AD4-4150-A5BF-E578D73222B7}"/>
+                </a:ext>
+              </a:extLst>
+            </p:cNvPr>
+            <p:cNvPicPr>
+              <a:picLocks noChangeAspect="1"/>
+            </p:cNvPicPr>
+            <p:nvPr/>
+          </p:nvPicPr>
+          <p:blipFill>
+            <a:blip r:embed="rId3"/>
+            <a:stretch>
+              <a:fillRect/>
+            </a:stretch>
+          </p:blipFill>
+          <p:spPr>
+            <a:xfrm>
+              <a:off x="1049990" y="4926106"/>
+              <a:ext cx="7886699" cy="2223164"/>
+            </a:xfrm>
+            <a:prstGeom prst="rect">
+              <a:avLst/>
+            </a:prstGeom>
+          </p:spPr>
+        </p:pic>
+      </p:grpSp>
+    </p:spTree>
+    <p:extLst>
+      <p:ext uri="{BB962C8B-B14F-4D97-AF65-F5344CB8AC3E}">
+        <p14:creationId xmlns:p14="http://schemas.microsoft.com/office/powerpoint/2010/main" val="1677092323"/>
       </p:ext>
     </p:extLst>
   </p:cSld>

--- a/Ejercicios/Ejercicios.pptx
+++ b/Ejercicios/Ejercicios.pptx
@@ -30,6 +30,10 @@
     <p:sldId id="280" r:id="rId24"/>
     <p:sldId id="275" r:id="rId25"/>
     <p:sldId id="276" r:id="rId26"/>
+    <p:sldId id="281" r:id="rId27"/>
+    <p:sldId id="282" r:id="rId28"/>
+    <p:sldId id="283" r:id="rId29"/>
+    <p:sldId id="284" r:id="rId30"/>
   </p:sldIdLst>
   <p:sldSz cx="12192000" cy="6858000"/>
   <p:notesSz cx="6858000" cy="9144000"/>
@@ -310,7 +314,7 @@
             <a:fld id="{87DE6118-2437-4B30-8E3C-4D2BE6020583}" type="datetimeFigureOut">
               <a:rPr lang="en-US" dirty="0"/>
               <a:pPr/>
-              <a:t>11/24/2017</a:t>
+              <a:t>12/13/2017</a:t>
             </a:fld>
             <a:endParaRPr lang="en-US" dirty="0"/>
           </a:p>
@@ -636,7 +640,7 @@
           <a:p>
             <a:fld id="{87DE6118-2437-4B30-8E3C-4D2BE6020583}" type="datetimeFigureOut">
               <a:rPr lang="en-US" dirty="0"/>
-              <a:t>11/24/2017</a:t>
+              <a:t>12/13/2017</a:t>
             </a:fld>
             <a:endParaRPr lang="en-US" dirty="0"/>
           </a:p>
@@ -811,7 +815,7 @@
           <a:p>
             <a:fld id="{87DE6118-2437-4B30-8E3C-4D2BE6020583}" type="datetimeFigureOut">
               <a:rPr lang="en-US" dirty="0"/>
-              <a:t>11/24/2017</a:t>
+              <a:t>12/13/2017</a:t>
             </a:fld>
             <a:endParaRPr lang="en-US" dirty="0"/>
           </a:p>
@@ -976,7 +980,7 @@
           <a:p>
             <a:fld id="{87DE6118-2437-4B30-8E3C-4D2BE6020583}" type="datetimeFigureOut">
               <a:rPr lang="en-US" dirty="0"/>
-              <a:t>11/24/2017</a:t>
+              <a:t>12/13/2017</a:t>
             </a:fld>
             <a:endParaRPr lang="en-US" dirty="0"/>
           </a:p>
@@ -1249,7 +1253,7 @@
             <a:fld id="{87DE6118-2437-4B30-8E3C-4D2BE6020583}" type="datetimeFigureOut">
               <a:rPr lang="en-US" dirty="0"/>
               <a:pPr/>
-              <a:t>11/24/2017</a:t>
+              <a:t>12/13/2017</a:t>
             </a:fld>
             <a:endParaRPr lang="en-US" dirty="0"/>
           </a:p>
@@ -1639,7 +1643,7 @@
           <a:p>
             <a:fld id="{87DE6118-2437-4B30-8E3C-4D2BE6020583}" type="datetimeFigureOut">
               <a:rPr lang="en-US" dirty="0"/>
-              <a:t>11/24/2017</a:t>
+              <a:t>12/13/2017</a:t>
             </a:fld>
             <a:endParaRPr lang="en-US" dirty="0"/>
           </a:p>
@@ -2111,7 +2115,7 @@
           <a:p>
             <a:fld id="{87DE6118-2437-4B30-8E3C-4D2BE6020583}" type="datetimeFigureOut">
               <a:rPr lang="en-US" dirty="0"/>
-              <a:t>11/24/2017</a:t>
+              <a:t>12/13/2017</a:t>
             </a:fld>
             <a:endParaRPr lang="en-US" dirty="0"/>
           </a:p>
@@ -2224,7 +2228,7 @@
           <a:p>
             <a:fld id="{87DE6118-2437-4B30-8E3C-4D2BE6020583}" type="datetimeFigureOut">
               <a:rPr lang="en-US" dirty="0"/>
-              <a:t>11/24/2017</a:t>
+              <a:t>12/13/2017</a:t>
             </a:fld>
             <a:endParaRPr lang="en-US" dirty="0"/>
           </a:p>
@@ -2314,7 +2318,7 @@
           <a:p>
             <a:fld id="{87DE6118-2437-4B30-8E3C-4D2BE6020583}" type="datetimeFigureOut">
               <a:rPr lang="en-US" dirty="0"/>
-              <a:t>11/24/2017</a:t>
+              <a:t>12/13/2017</a:t>
             </a:fld>
             <a:endParaRPr lang="en-US" dirty="0"/>
           </a:p>
@@ -2656,7 +2660,7 @@
             <a:fld id="{87DE6118-2437-4B30-8E3C-4D2BE6020583}" type="datetimeFigureOut">
               <a:rPr lang="en-US" dirty="0"/>
               <a:pPr/>
-              <a:t>11/24/2017</a:t>
+              <a:t>12/13/2017</a:t>
             </a:fld>
             <a:endParaRPr lang="en-US" dirty="0"/>
           </a:p>
@@ -3041,7 +3045,7 @@
             <a:fld id="{87DE6118-2437-4B30-8E3C-4D2BE6020583}" type="datetimeFigureOut">
               <a:rPr lang="en-US" dirty="0"/>
               <a:pPr/>
-              <a:t>11/24/2017</a:t>
+              <a:t>12/13/2017</a:t>
             </a:fld>
             <a:endParaRPr lang="en-US" dirty="0"/>
           </a:p>
@@ -3316,7 +3320,7 @@
             <a:fld id="{87DE6118-2437-4B30-8E3C-4D2BE6020583}" type="datetimeFigureOut">
               <a:rPr lang="en-US" dirty="0"/>
               <a:pPr/>
-              <a:t>11/24/2017</a:t>
+              <a:t>12/13/2017</a:t>
             </a:fld>
             <a:endParaRPr lang="en-US" dirty="0"/>
           </a:p>
@@ -10627,6 +10631,416 @@
     <p:extLst>
       <p:ext uri="{BB962C8B-B14F-4D97-AF65-F5344CB8AC3E}">
         <p14:creationId xmlns:p14="http://schemas.microsoft.com/office/powerpoint/2010/main" val="1677092323"/>
+      </p:ext>
+    </p:extLst>
+  </p:cSld>
+  <p:clrMapOvr>
+    <a:masterClrMapping/>
+  </p:clrMapOvr>
+</p:sld>
+</file>
+
+<file path=ppt/slides/slide26.xml><?xml version="1.0" encoding="utf-8"?>
+<p:sld xmlns:a="http://schemas.openxmlformats.org/drawingml/2006/main" xmlns:r="http://schemas.openxmlformats.org/officeDocument/2006/relationships" xmlns:p="http://schemas.openxmlformats.org/presentationml/2006/main">
+  <p:cSld>
+    <p:spTree>
+      <p:nvGrpSpPr>
+        <p:cNvPr id="1" name=""/>
+        <p:cNvGrpSpPr/>
+        <p:nvPr/>
+      </p:nvGrpSpPr>
+      <p:grpSpPr>
+        <a:xfrm>
+          <a:off x="0" y="0"/>
+          <a:ext cx="0" cy="0"/>
+          <a:chOff x="0" y="0"/>
+          <a:chExt cx="0" cy="0"/>
+        </a:xfrm>
+      </p:grpSpPr>
+      <p:sp>
+        <p:nvSpPr>
+          <p:cNvPr id="2" name="Título 1">
+            <a:extLst>
+              <a:ext uri="{FF2B5EF4-FFF2-40B4-BE49-F238E27FC236}">
+                <a16:creationId xmlns:a16="http://schemas.microsoft.com/office/drawing/2014/main" id="{0878ABAC-2070-4C93-A9AB-6AE7475699D5}"/>
+              </a:ext>
+            </a:extLst>
+          </p:cNvPr>
+          <p:cNvSpPr>
+            <a:spLocks noGrp="1"/>
+          </p:cNvSpPr>
+          <p:nvPr>
+            <p:ph type="title"/>
+          </p:nvPr>
+        </p:nvSpPr>
+        <p:spPr>
+          <a:xfrm>
+            <a:off x="1371600" y="36441"/>
+            <a:ext cx="9601200" cy="1485900"/>
+          </a:xfrm>
+        </p:spPr>
+        <p:txBody>
+          <a:bodyPr/>
+          <a:lstStyle/>
+          <a:p>
+            <a:r>
+              <a:rPr lang="es-419" dirty="0"/>
+              <a:t>Funciones</a:t>
+            </a:r>
+          </a:p>
+        </p:txBody>
+      </p:sp>
+      <p:pic>
+        <p:nvPicPr>
+          <p:cNvPr id="4" name="Imagen 3">
+            <a:extLst>
+              <a:ext uri="{FF2B5EF4-FFF2-40B4-BE49-F238E27FC236}">
+                <a16:creationId xmlns:a16="http://schemas.microsoft.com/office/drawing/2014/main" id="{F7B03CA5-BD0D-4126-8091-2E0A83B1F77E}"/>
+              </a:ext>
+            </a:extLst>
+          </p:cNvPr>
+          <p:cNvPicPr>
+            <a:picLocks noChangeAspect="1"/>
+          </p:cNvPicPr>
+          <p:nvPr/>
+        </p:nvPicPr>
+        <p:blipFill>
+          <a:blip r:embed="rId2"/>
+          <a:stretch>
+            <a:fillRect/>
+          </a:stretch>
+        </p:blipFill>
+        <p:spPr>
+          <a:xfrm>
+            <a:off x="402530" y="887895"/>
+            <a:ext cx="11579939" cy="5168347"/>
+          </a:xfrm>
+          <a:prstGeom prst="rect">
+            <a:avLst/>
+          </a:prstGeom>
+        </p:spPr>
+      </p:pic>
+    </p:spTree>
+    <p:extLst>
+      <p:ext uri="{BB962C8B-B14F-4D97-AF65-F5344CB8AC3E}">
+        <p14:creationId xmlns:p14="http://schemas.microsoft.com/office/powerpoint/2010/main" val="1393607825"/>
+      </p:ext>
+    </p:extLst>
+  </p:cSld>
+  <p:clrMapOvr>
+    <a:masterClrMapping/>
+  </p:clrMapOvr>
+</p:sld>
+</file>
+
+<file path=ppt/slides/slide27.xml><?xml version="1.0" encoding="utf-8"?>
+<p:sld xmlns:a="http://schemas.openxmlformats.org/drawingml/2006/main" xmlns:r="http://schemas.openxmlformats.org/officeDocument/2006/relationships" xmlns:p="http://schemas.openxmlformats.org/presentationml/2006/main">
+  <p:cSld>
+    <p:spTree>
+      <p:nvGrpSpPr>
+        <p:cNvPr id="1" name=""/>
+        <p:cNvGrpSpPr/>
+        <p:nvPr/>
+      </p:nvGrpSpPr>
+      <p:grpSpPr>
+        <a:xfrm>
+          <a:off x="0" y="0"/>
+          <a:ext cx="0" cy="0"/>
+          <a:chOff x="0" y="0"/>
+          <a:chExt cx="0" cy="0"/>
+        </a:xfrm>
+      </p:grpSpPr>
+      <p:sp>
+        <p:nvSpPr>
+          <p:cNvPr id="2" name="Título 1">
+            <a:extLst>
+              <a:ext uri="{FF2B5EF4-FFF2-40B4-BE49-F238E27FC236}">
+                <a16:creationId xmlns:a16="http://schemas.microsoft.com/office/drawing/2014/main" id="{525B2EBA-3DE9-4674-8AFD-E36E851EBEF6}"/>
+              </a:ext>
+            </a:extLst>
+          </p:cNvPr>
+          <p:cNvSpPr>
+            <a:spLocks noGrp="1"/>
+          </p:cNvSpPr>
+          <p:nvPr>
+            <p:ph type="title"/>
+          </p:nvPr>
+        </p:nvSpPr>
+        <p:spPr>
+          <a:xfrm>
+            <a:off x="1371600" y="0"/>
+            <a:ext cx="9601200" cy="1485900"/>
+          </a:xfrm>
+        </p:spPr>
+        <p:txBody>
+          <a:bodyPr/>
+          <a:lstStyle/>
+          <a:p>
+            <a:r>
+              <a:rPr lang="es-419" dirty="0"/>
+              <a:t>Funciones</a:t>
+            </a:r>
+            <a:br>
+              <a:rPr lang="es-419" dirty="0"/>
+            </a:br>
+            <a:endParaRPr lang="es-419" dirty="0"/>
+          </a:p>
+        </p:txBody>
+      </p:sp>
+      <p:pic>
+        <p:nvPicPr>
+          <p:cNvPr id="4" name="Imagen 3">
+            <a:extLst>
+              <a:ext uri="{FF2B5EF4-FFF2-40B4-BE49-F238E27FC236}">
+                <a16:creationId xmlns:a16="http://schemas.microsoft.com/office/drawing/2014/main" id="{A1BE94CE-2D3C-42AD-A3F5-54E79EB5E48E}"/>
+              </a:ext>
+            </a:extLst>
+          </p:cNvPr>
+          <p:cNvPicPr>
+            <a:picLocks noChangeAspect="1"/>
+          </p:cNvPicPr>
+          <p:nvPr/>
+        </p:nvPicPr>
+        <p:blipFill>
+          <a:blip r:embed="rId2"/>
+          <a:stretch>
+            <a:fillRect/>
+          </a:stretch>
+        </p:blipFill>
+        <p:spPr>
+          <a:xfrm>
+            <a:off x="29885" y="1448421"/>
+            <a:ext cx="12222450" cy="2832031"/>
+          </a:xfrm>
+          <a:prstGeom prst="rect">
+            <a:avLst/>
+          </a:prstGeom>
+        </p:spPr>
+      </p:pic>
+    </p:spTree>
+    <p:extLst>
+      <p:ext uri="{BB962C8B-B14F-4D97-AF65-F5344CB8AC3E}">
+        <p14:creationId xmlns:p14="http://schemas.microsoft.com/office/powerpoint/2010/main" val="2106039696"/>
+      </p:ext>
+    </p:extLst>
+  </p:cSld>
+  <p:clrMapOvr>
+    <a:masterClrMapping/>
+  </p:clrMapOvr>
+</p:sld>
+</file>
+
+<file path=ppt/slides/slide28.xml><?xml version="1.0" encoding="utf-8"?>
+<p:sld xmlns:a="http://schemas.openxmlformats.org/drawingml/2006/main" xmlns:r="http://schemas.openxmlformats.org/officeDocument/2006/relationships" xmlns:p="http://schemas.openxmlformats.org/presentationml/2006/main">
+  <p:cSld>
+    <p:spTree>
+      <p:nvGrpSpPr>
+        <p:cNvPr id="1" name=""/>
+        <p:cNvGrpSpPr/>
+        <p:nvPr/>
+      </p:nvGrpSpPr>
+      <p:grpSpPr>
+        <a:xfrm>
+          <a:off x="0" y="0"/>
+          <a:ext cx="0" cy="0"/>
+          <a:chOff x="0" y="0"/>
+          <a:chExt cx="0" cy="0"/>
+        </a:xfrm>
+      </p:grpSpPr>
+      <p:sp>
+        <p:nvSpPr>
+          <p:cNvPr id="2" name="Título 1">
+            <a:extLst>
+              <a:ext uri="{FF2B5EF4-FFF2-40B4-BE49-F238E27FC236}">
+                <a16:creationId xmlns:a16="http://schemas.microsoft.com/office/drawing/2014/main" id="{525B2EBA-3DE9-4674-8AFD-E36E851EBEF6}"/>
+              </a:ext>
+            </a:extLst>
+          </p:cNvPr>
+          <p:cNvSpPr>
+            <a:spLocks noGrp="1"/>
+          </p:cNvSpPr>
+          <p:nvPr>
+            <p:ph type="title"/>
+          </p:nvPr>
+        </p:nvSpPr>
+        <p:spPr>
+          <a:xfrm>
+            <a:off x="1371600" y="0"/>
+            <a:ext cx="9601200" cy="1485900"/>
+          </a:xfrm>
+        </p:spPr>
+        <p:txBody>
+          <a:bodyPr/>
+          <a:lstStyle/>
+          <a:p>
+            <a:r>
+              <a:rPr lang="es-419" dirty="0"/>
+              <a:t>Funciones</a:t>
+            </a:r>
+            <a:br>
+              <a:rPr lang="es-419" dirty="0"/>
+            </a:br>
+            <a:endParaRPr lang="es-419" dirty="0"/>
+          </a:p>
+        </p:txBody>
+      </p:sp>
+      <p:pic>
+        <p:nvPicPr>
+          <p:cNvPr id="3" name="Imagen 2">
+            <a:extLst>
+              <a:ext uri="{FF2B5EF4-FFF2-40B4-BE49-F238E27FC236}">
+                <a16:creationId xmlns:a16="http://schemas.microsoft.com/office/drawing/2014/main" id="{F057304C-832A-4FFA-B7CC-7BD205F5DAF3}"/>
+              </a:ext>
+            </a:extLst>
+          </p:cNvPr>
+          <p:cNvPicPr>
+            <a:picLocks noChangeAspect="1"/>
+          </p:cNvPicPr>
+          <p:nvPr/>
+        </p:nvPicPr>
+        <p:blipFill>
+          <a:blip r:embed="rId2"/>
+          <a:stretch>
+            <a:fillRect/>
+          </a:stretch>
+        </p:blipFill>
+        <p:spPr>
+          <a:xfrm>
+            <a:off x="0" y="702365"/>
+            <a:ext cx="12192000" cy="1526746"/>
+          </a:xfrm>
+          <a:prstGeom prst="rect">
+            <a:avLst/>
+          </a:prstGeom>
+        </p:spPr>
+      </p:pic>
+      <p:pic>
+        <p:nvPicPr>
+          <p:cNvPr id="5" name="Imagen 4">
+            <a:extLst>
+              <a:ext uri="{FF2B5EF4-FFF2-40B4-BE49-F238E27FC236}">
+                <a16:creationId xmlns:a16="http://schemas.microsoft.com/office/drawing/2014/main" id="{A708E4A5-DD6E-4B8E-9C4C-3DF4DB3CF1D4}"/>
+              </a:ext>
+            </a:extLst>
+          </p:cNvPr>
+          <p:cNvPicPr>
+            <a:picLocks noChangeAspect="1"/>
+          </p:cNvPicPr>
+          <p:nvPr/>
+        </p:nvPicPr>
+        <p:blipFill>
+          <a:blip r:embed="rId3"/>
+          <a:stretch>
+            <a:fillRect/>
+          </a:stretch>
+        </p:blipFill>
+        <p:spPr>
+          <a:xfrm>
+            <a:off x="377687" y="2557779"/>
+            <a:ext cx="11436626" cy="4142221"/>
+          </a:xfrm>
+          <a:prstGeom prst="rect">
+            <a:avLst/>
+          </a:prstGeom>
+        </p:spPr>
+      </p:pic>
+    </p:spTree>
+    <p:extLst>
+      <p:ext uri="{BB962C8B-B14F-4D97-AF65-F5344CB8AC3E}">
+        <p14:creationId xmlns:p14="http://schemas.microsoft.com/office/powerpoint/2010/main" val="3350245118"/>
+      </p:ext>
+    </p:extLst>
+  </p:cSld>
+  <p:clrMapOvr>
+    <a:masterClrMapping/>
+  </p:clrMapOvr>
+</p:sld>
+</file>
+
+<file path=ppt/slides/slide29.xml><?xml version="1.0" encoding="utf-8"?>
+<p:sld xmlns:a="http://schemas.openxmlformats.org/drawingml/2006/main" xmlns:r="http://schemas.openxmlformats.org/officeDocument/2006/relationships" xmlns:p="http://schemas.openxmlformats.org/presentationml/2006/main">
+  <p:cSld>
+    <p:spTree>
+      <p:nvGrpSpPr>
+        <p:cNvPr id="1" name=""/>
+        <p:cNvGrpSpPr/>
+        <p:nvPr/>
+      </p:nvGrpSpPr>
+      <p:grpSpPr>
+        <a:xfrm>
+          <a:off x="0" y="0"/>
+          <a:ext cx="0" cy="0"/>
+          <a:chOff x="0" y="0"/>
+          <a:chExt cx="0" cy="0"/>
+        </a:xfrm>
+      </p:grpSpPr>
+      <p:sp>
+        <p:nvSpPr>
+          <p:cNvPr id="2" name="Título 1">
+            <a:extLst>
+              <a:ext uri="{FF2B5EF4-FFF2-40B4-BE49-F238E27FC236}">
+                <a16:creationId xmlns:a16="http://schemas.microsoft.com/office/drawing/2014/main" id="{34545D53-3A3D-4BE9-9416-7D695DAB17B6}"/>
+              </a:ext>
+            </a:extLst>
+          </p:cNvPr>
+          <p:cNvSpPr>
+            <a:spLocks noGrp="1"/>
+          </p:cNvSpPr>
+          <p:nvPr>
+            <p:ph type="title"/>
+          </p:nvPr>
+        </p:nvSpPr>
+        <p:spPr>
+          <a:xfrm>
+            <a:off x="1371600" y="247650"/>
+            <a:ext cx="9601200" cy="1485900"/>
+          </a:xfrm>
+        </p:spPr>
+        <p:txBody>
+          <a:bodyPr/>
+          <a:lstStyle/>
+          <a:p>
+            <a:r>
+              <a:rPr lang="es-419" dirty="0"/>
+              <a:t>Funciones</a:t>
+            </a:r>
+          </a:p>
+        </p:txBody>
+      </p:sp>
+      <p:pic>
+        <p:nvPicPr>
+          <p:cNvPr id="4" name="Imagen 3">
+            <a:extLst>
+              <a:ext uri="{FF2B5EF4-FFF2-40B4-BE49-F238E27FC236}">
+                <a16:creationId xmlns:a16="http://schemas.microsoft.com/office/drawing/2014/main" id="{EFDF210D-30DB-486F-8E9F-48E093039D76}"/>
+              </a:ext>
+            </a:extLst>
+          </p:cNvPr>
+          <p:cNvPicPr>
+            <a:picLocks noChangeAspect="1"/>
+          </p:cNvPicPr>
+          <p:nvPr/>
+        </p:nvPicPr>
+        <p:blipFill>
+          <a:blip r:embed="rId2"/>
+          <a:stretch>
+            <a:fillRect/>
+          </a:stretch>
+        </p:blipFill>
+        <p:spPr>
+          <a:xfrm>
+            <a:off x="435871" y="1003852"/>
+            <a:ext cx="11677922" cy="3581400"/>
+          </a:xfrm>
+          <a:prstGeom prst="rect">
+            <a:avLst/>
+          </a:prstGeom>
+        </p:spPr>
+      </p:pic>
+    </p:spTree>
+    <p:extLst>
+      <p:ext uri="{BB962C8B-B14F-4D97-AF65-F5344CB8AC3E}">
+        <p14:creationId xmlns:p14="http://schemas.microsoft.com/office/powerpoint/2010/main" val="440981633"/>
       </p:ext>
     </p:extLst>
   </p:cSld>

--- a/Ejercicios/Ejercicios.pptx
+++ b/Ejercicios/Ejercicios.pptx
@@ -11029,7 +11029,7 @@
         </p:blipFill>
         <p:spPr>
           <a:xfrm>
-            <a:off x="435871" y="1003852"/>
+            <a:off x="435871" y="964096"/>
             <a:ext cx="11677922" cy="3581400"/>
           </a:xfrm>
           <a:prstGeom prst="rect">

--- a/Ejercicios/Ejercicios.pptx
+++ b/Ejercicios/Ejercicios.pptx
@@ -34,6 +34,7 @@
     <p:sldId id="282" r:id="rId28"/>
     <p:sldId id="283" r:id="rId29"/>
     <p:sldId id="284" r:id="rId30"/>
+    <p:sldId id="285" r:id="rId31"/>
   </p:sldIdLst>
   <p:sldSz cx="12192000" cy="6858000"/>
   <p:notesSz cx="6858000" cy="9144000"/>
@@ -314,7 +315,7 @@
             <a:fld id="{87DE6118-2437-4B30-8E3C-4D2BE6020583}" type="datetimeFigureOut">
               <a:rPr lang="en-US" dirty="0"/>
               <a:pPr/>
-              <a:t>12/13/2017</a:t>
+              <a:t>12/20/2017</a:t>
             </a:fld>
             <a:endParaRPr lang="en-US" dirty="0"/>
           </a:p>
@@ -640,7 +641,7 @@
           <a:p>
             <a:fld id="{87DE6118-2437-4B30-8E3C-4D2BE6020583}" type="datetimeFigureOut">
               <a:rPr lang="en-US" dirty="0"/>
-              <a:t>12/13/2017</a:t>
+              <a:t>12/20/2017</a:t>
             </a:fld>
             <a:endParaRPr lang="en-US" dirty="0"/>
           </a:p>
@@ -815,7 +816,7 @@
           <a:p>
             <a:fld id="{87DE6118-2437-4B30-8E3C-4D2BE6020583}" type="datetimeFigureOut">
               <a:rPr lang="en-US" dirty="0"/>
-              <a:t>12/13/2017</a:t>
+              <a:t>12/20/2017</a:t>
             </a:fld>
             <a:endParaRPr lang="en-US" dirty="0"/>
           </a:p>
@@ -980,7 +981,7 @@
           <a:p>
             <a:fld id="{87DE6118-2437-4B30-8E3C-4D2BE6020583}" type="datetimeFigureOut">
               <a:rPr lang="en-US" dirty="0"/>
-              <a:t>12/13/2017</a:t>
+              <a:t>12/20/2017</a:t>
             </a:fld>
             <a:endParaRPr lang="en-US" dirty="0"/>
           </a:p>
@@ -1253,7 +1254,7 @@
             <a:fld id="{87DE6118-2437-4B30-8E3C-4D2BE6020583}" type="datetimeFigureOut">
               <a:rPr lang="en-US" dirty="0"/>
               <a:pPr/>
-              <a:t>12/13/2017</a:t>
+              <a:t>12/20/2017</a:t>
             </a:fld>
             <a:endParaRPr lang="en-US" dirty="0"/>
           </a:p>
@@ -1643,7 +1644,7 @@
           <a:p>
             <a:fld id="{87DE6118-2437-4B30-8E3C-4D2BE6020583}" type="datetimeFigureOut">
               <a:rPr lang="en-US" dirty="0"/>
-              <a:t>12/13/2017</a:t>
+              <a:t>12/20/2017</a:t>
             </a:fld>
             <a:endParaRPr lang="en-US" dirty="0"/>
           </a:p>
@@ -2115,7 +2116,7 @@
           <a:p>
             <a:fld id="{87DE6118-2437-4B30-8E3C-4D2BE6020583}" type="datetimeFigureOut">
               <a:rPr lang="en-US" dirty="0"/>
-              <a:t>12/13/2017</a:t>
+              <a:t>12/20/2017</a:t>
             </a:fld>
             <a:endParaRPr lang="en-US" dirty="0"/>
           </a:p>
@@ -2228,7 +2229,7 @@
           <a:p>
             <a:fld id="{87DE6118-2437-4B30-8E3C-4D2BE6020583}" type="datetimeFigureOut">
               <a:rPr lang="en-US" dirty="0"/>
-              <a:t>12/13/2017</a:t>
+              <a:t>12/20/2017</a:t>
             </a:fld>
             <a:endParaRPr lang="en-US" dirty="0"/>
           </a:p>
@@ -2318,7 +2319,7 @@
           <a:p>
             <a:fld id="{87DE6118-2437-4B30-8E3C-4D2BE6020583}" type="datetimeFigureOut">
               <a:rPr lang="en-US" dirty="0"/>
-              <a:t>12/13/2017</a:t>
+              <a:t>12/20/2017</a:t>
             </a:fld>
             <a:endParaRPr lang="en-US" dirty="0"/>
           </a:p>
@@ -2660,7 +2661,7 @@
             <a:fld id="{87DE6118-2437-4B30-8E3C-4D2BE6020583}" type="datetimeFigureOut">
               <a:rPr lang="en-US" dirty="0"/>
               <a:pPr/>
-              <a:t>12/13/2017</a:t>
+              <a:t>12/20/2017</a:t>
             </a:fld>
             <a:endParaRPr lang="en-US" dirty="0"/>
           </a:p>
@@ -3045,7 +3046,7 @@
             <a:fld id="{87DE6118-2437-4B30-8E3C-4D2BE6020583}" type="datetimeFigureOut">
               <a:rPr lang="en-US" dirty="0"/>
               <a:pPr/>
-              <a:t>12/13/2017</a:t>
+              <a:t>12/20/2017</a:t>
             </a:fld>
             <a:endParaRPr lang="en-US" dirty="0"/>
           </a:p>
@@ -3320,7 +3321,7 @@
             <a:fld id="{87DE6118-2437-4B30-8E3C-4D2BE6020583}" type="datetimeFigureOut">
               <a:rPr lang="en-US" dirty="0"/>
               <a:pPr/>
-              <a:t>12/13/2017</a:t>
+              <a:t>12/20/2017</a:t>
             </a:fld>
             <a:endParaRPr lang="en-US" dirty="0"/>
           </a:p>
@@ -11169,6 +11170,86 @@
 </p:sld>
 </file>
 
+<file path=ppt/slides/slide30.xml><?xml version="1.0" encoding="utf-8"?>
+<p:sld xmlns:a="http://schemas.openxmlformats.org/drawingml/2006/main" xmlns:r="http://schemas.openxmlformats.org/officeDocument/2006/relationships" xmlns:p="http://schemas.openxmlformats.org/presentationml/2006/main">
+  <p:cSld>
+    <p:spTree>
+      <p:nvGrpSpPr>
+        <p:cNvPr id="1" name=""/>
+        <p:cNvGrpSpPr/>
+        <p:nvPr/>
+      </p:nvGrpSpPr>
+      <p:grpSpPr>
+        <a:xfrm>
+          <a:off x="0" y="0"/>
+          <a:ext cx="0" cy="0"/>
+          <a:chOff x="0" y="0"/>
+          <a:chExt cx="0" cy="0"/>
+        </a:xfrm>
+      </p:grpSpPr>
+      <p:sp>
+        <p:nvSpPr>
+          <p:cNvPr id="2" name="Título 1">
+            <a:extLst>
+              <a:ext uri="{FF2B5EF4-FFF2-40B4-BE49-F238E27FC236}">
+                <a16:creationId xmlns:a16="http://schemas.microsoft.com/office/drawing/2014/main" id="{9343708D-56F5-4D75-B445-EAF805E8DB33}"/>
+              </a:ext>
+            </a:extLst>
+          </p:cNvPr>
+          <p:cNvSpPr>
+            <a:spLocks noGrp="1"/>
+          </p:cNvSpPr>
+          <p:nvPr>
+            <p:ph type="title"/>
+          </p:nvPr>
+        </p:nvSpPr>
+        <p:spPr/>
+        <p:txBody>
+          <a:bodyPr/>
+          <a:lstStyle/>
+          <a:p>
+            <a:endParaRPr lang="es-419"/>
+          </a:p>
+        </p:txBody>
+      </p:sp>
+      <p:sp>
+        <p:nvSpPr>
+          <p:cNvPr id="3" name="Marcador de contenido 2">
+            <a:extLst>
+              <a:ext uri="{FF2B5EF4-FFF2-40B4-BE49-F238E27FC236}">
+                <a16:creationId xmlns:a16="http://schemas.microsoft.com/office/drawing/2014/main" id="{71BD183F-C63D-420C-B33B-FFB8D5550AB5}"/>
+              </a:ext>
+            </a:extLst>
+          </p:cNvPr>
+          <p:cNvSpPr>
+            <a:spLocks noGrp="1"/>
+          </p:cNvSpPr>
+          <p:nvPr>
+            <p:ph idx="1"/>
+          </p:nvPr>
+        </p:nvSpPr>
+        <p:spPr/>
+        <p:txBody>
+          <a:bodyPr/>
+          <a:lstStyle/>
+          <a:p>
+            <a:endParaRPr lang="es-419"/>
+          </a:p>
+        </p:txBody>
+      </p:sp>
+    </p:spTree>
+    <p:extLst>
+      <p:ext uri="{BB962C8B-B14F-4D97-AF65-F5344CB8AC3E}">
+        <p14:creationId xmlns:p14="http://schemas.microsoft.com/office/powerpoint/2010/main" val="819859054"/>
+      </p:ext>
+    </p:extLst>
+  </p:cSld>
+  <p:clrMapOvr>
+    <a:masterClrMapping/>
+  </p:clrMapOvr>
+</p:sld>
+</file>
+
 <file path=ppt/slides/slide4.xml><?xml version="1.0" encoding="utf-8"?>
 <p:sld xmlns:a="http://schemas.openxmlformats.org/drawingml/2006/main" xmlns:r="http://schemas.openxmlformats.org/officeDocument/2006/relationships" xmlns:p="http://schemas.openxmlformats.org/presentationml/2006/main">
   <p:cSld>

--- a/Ejercicios/Ejercicios.pptx
+++ b/Ejercicios/Ejercicios.pptx
@@ -315,7 +315,7 @@
             <a:fld id="{87DE6118-2437-4B30-8E3C-4D2BE6020583}" type="datetimeFigureOut">
               <a:rPr lang="en-US" dirty="0"/>
               <a:pPr/>
-              <a:t>12/20/2017</a:t>
+              <a:t>1/3/2018</a:t>
             </a:fld>
             <a:endParaRPr lang="en-US" dirty="0"/>
           </a:p>
@@ -641,7 +641,7 @@
           <a:p>
             <a:fld id="{87DE6118-2437-4B30-8E3C-4D2BE6020583}" type="datetimeFigureOut">
               <a:rPr lang="en-US" dirty="0"/>
-              <a:t>12/20/2017</a:t>
+              <a:t>1/3/2018</a:t>
             </a:fld>
             <a:endParaRPr lang="en-US" dirty="0"/>
           </a:p>
@@ -816,7 +816,7 @@
           <a:p>
             <a:fld id="{87DE6118-2437-4B30-8E3C-4D2BE6020583}" type="datetimeFigureOut">
               <a:rPr lang="en-US" dirty="0"/>
-              <a:t>12/20/2017</a:t>
+              <a:t>1/3/2018</a:t>
             </a:fld>
             <a:endParaRPr lang="en-US" dirty="0"/>
           </a:p>
@@ -981,7 +981,7 @@
           <a:p>
             <a:fld id="{87DE6118-2437-4B30-8E3C-4D2BE6020583}" type="datetimeFigureOut">
               <a:rPr lang="en-US" dirty="0"/>
-              <a:t>12/20/2017</a:t>
+              <a:t>1/3/2018</a:t>
             </a:fld>
             <a:endParaRPr lang="en-US" dirty="0"/>
           </a:p>
@@ -1254,7 +1254,7 @@
             <a:fld id="{87DE6118-2437-4B30-8E3C-4D2BE6020583}" type="datetimeFigureOut">
               <a:rPr lang="en-US" dirty="0"/>
               <a:pPr/>
-              <a:t>12/20/2017</a:t>
+              <a:t>1/3/2018</a:t>
             </a:fld>
             <a:endParaRPr lang="en-US" dirty="0"/>
           </a:p>
@@ -1644,7 +1644,7 @@
           <a:p>
             <a:fld id="{87DE6118-2437-4B30-8E3C-4D2BE6020583}" type="datetimeFigureOut">
               <a:rPr lang="en-US" dirty="0"/>
-              <a:t>12/20/2017</a:t>
+              <a:t>1/3/2018</a:t>
             </a:fld>
             <a:endParaRPr lang="en-US" dirty="0"/>
           </a:p>
@@ -2116,7 +2116,7 @@
           <a:p>
             <a:fld id="{87DE6118-2437-4B30-8E3C-4D2BE6020583}" type="datetimeFigureOut">
               <a:rPr lang="en-US" dirty="0"/>
-              <a:t>12/20/2017</a:t>
+              <a:t>1/3/2018</a:t>
             </a:fld>
             <a:endParaRPr lang="en-US" dirty="0"/>
           </a:p>
@@ -2229,7 +2229,7 @@
           <a:p>
             <a:fld id="{87DE6118-2437-4B30-8E3C-4D2BE6020583}" type="datetimeFigureOut">
               <a:rPr lang="en-US" dirty="0"/>
-              <a:t>12/20/2017</a:t>
+              <a:t>1/3/2018</a:t>
             </a:fld>
             <a:endParaRPr lang="en-US" dirty="0"/>
           </a:p>
@@ -2319,7 +2319,7 @@
           <a:p>
             <a:fld id="{87DE6118-2437-4B30-8E3C-4D2BE6020583}" type="datetimeFigureOut">
               <a:rPr lang="en-US" dirty="0"/>
-              <a:t>12/20/2017</a:t>
+              <a:t>1/3/2018</a:t>
             </a:fld>
             <a:endParaRPr lang="en-US" dirty="0"/>
           </a:p>
@@ -2661,7 +2661,7 @@
             <a:fld id="{87DE6118-2437-4B30-8E3C-4D2BE6020583}" type="datetimeFigureOut">
               <a:rPr lang="en-US" dirty="0"/>
               <a:pPr/>
-              <a:t>12/20/2017</a:t>
+              <a:t>1/3/2018</a:t>
             </a:fld>
             <a:endParaRPr lang="en-US" dirty="0"/>
           </a:p>
@@ -3046,7 +3046,7 @@
             <a:fld id="{87DE6118-2437-4B30-8E3C-4D2BE6020583}" type="datetimeFigureOut">
               <a:rPr lang="en-US" dirty="0"/>
               <a:pPr/>
-              <a:t>12/20/2017</a:t>
+              <a:t>1/3/2018</a:t>
             </a:fld>
             <a:endParaRPr lang="en-US" dirty="0"/>
           </a:p>
@@ -3321,7 +3321,7 @@
             <a:fld id="{87DE6118-2437-4B30-8E3C-4D2BE6020583}" type="datetimeFigureOut">
               <a:rPr lang="en-US" dirty="0"/>
               <a:pPr/>
-              <a:t>12/20/2017</a:t>
+              <a:t>1/3/2018</a:t>
             </a:fld>
             <a:endParaRPr lang="en-US" dirty="0"/>
           </a:p>
@@ -11203,12 +11203,20 @@
             <p:ph type="title"/>
           </p:nvPr>
         </p:nvSpPr>
-        <p:spPr/>
+        <p:spPr>
+          <a:xfrm>
+            <a:off x="695739" y="0"/>
+            <a:ext cx="9601200" cy="1485900"/>
+          </a:xfrm>
+        </p:spPr>
         <p:txBody>
           <a:bodyPr/>
           <a:lstStyle/>
           <a:p>
-            <a:endParaRPr lang="es-419"/>
+            <a:r>
+              <a:rPr lang="es-419" dirty="0"/>
+              <a:t>Funciones Tupla</a:t>
+            </a:r>
           </a:p>
         </p:txBody>
       </p:sp>
@@ -11228,12 +11236,149 @@
             <p:ph idx="1"/>
           </p:nvPr>
         </p:nvSpPr>
-        <p:spPr/>
+        <p:spPr>
+          <a:xfrm>
+            <a:off x="695738" y="629477"/>
+            <a:ext cx="11496261" cy="5850835"/>
+          </a:xfrm>
+        </p:spPr>
         <p:txBody>
-          <a:bodyPr/>
+          <a:bodyPr>
+            <a:normAutofit/>
+          </a:bodyPr>
           <a:lstStyle/>
           <a:p>
-            <a:endParaRPr lang="es-419"/>
+            <a:r>
+              <a:rPr lang="es-419" b="1" dirty="0"/>
+              <a:t>Parte 1</a:t>
+            </a:r>
+            <a:endParaRPr lang="es-419" dirty="0"/>
+          </a:p>
+          <a:p>
+            <a:r>
+              <a:rPr lang="es-419" dirty="0"/>
+              <a:t>Una empresa de seguros por fin de año a decidido otorgar un bono a sus trabajadores. </a:t>
+            </a:r>
+          </a:p>
+          <a:p>
+            <a:r>
+              <a:rPr lang="es-419" dirty="0"/>
+              <a:t>Para ello lo han contratado a usted para que los ayude, donde usted cuenta con una lista de tuplas de tamaño n con el siguiente formato: [(Nombre </a:t>
+            </a:r>
+            <a:r>
+              <a:rPr lang="es-419" dirty="0" err="1"/>
+              <a:t>Empleado,Años</a:t>
+            </a:r>
+            <a:r>
+              <a:rPr lang="es-419" dirty="0"/>
+              <a:t> de </a:t>
+            </a:r>
+            <a:r>
+              <a:rPr lang="es-419" dirty="0" err="1"/>
+              <a:t>trabajo,edad</a:t>
+            </a:r>
+            <a:r>
+              <a:rPr lang="es-419" dirty="0"/>
+              <a:t>),...] (</a:t>
+            </a:r>
+            <a:r>
+              <a:rPr lang="es-419" b="1" dirty="0"/>
+              <a:t>Asuma que no hay nombres repetidos</a:t>
+            </a:r>
+            <a:r>
+              <a:rPr lang="es-419" dirty="0"/>
+              <a:t>). Con esta información se pide escribir una función llamada </a:t>
+            </a:r>
+            <a:r>
+              <a:rPr lang="es-419" b="1" dirty="0" err="1"/>
+              <a:t>calcularBonos</a:t>
+            </a:r>
+            <a:r>
+              <a:rPr lang="es-419" b="1" dirty="0"/>
+              <a:t>(</a:t>
+            </a:r>
+            <a:r>
+              <a:rPr lang="es-419" b="1" dirty="0" err="1"/>
+              <a:t>listaEmpleados</a:t>
+            </a:r>
+            <a:r>
+              <a:rPr lang="es-419" b="1" dirty="0"/>
+              <a:t>) </a:t>
+            </a:r>
+            <a:r>
+              <a:rPr lang="es-419" dirty="0"/>
+              <a:t>la cual recibe la lista de tupla y permita calcular el "bono" para otorgarle a cada uno de los empleados. La fórmula para calcular el bono es: (300*Años)/100. La función debe retornar una lista de tuplas de la siguiente manera: [(Nombre </a:t>
+            </a:r>
+            <a:r>
+              <a:rPr lang="es-419" dirty="0" err="1"/>
+              <a:t>Empleado,Bono,edad</a:t>
+            </a:r>
+            <a:r>
+              <a:rPr lang="es-419" dirty="0"/>
+              <a:t>),...]</a:t>
+            </a:r>
+          </a:p>
+          <a:p>
+            <a:r>
+              <a:rPr lang="es-419" b="1" dirty="0"/>
+              <a:t>Parte 2</a:t>
+            </a:r>
+            <a:endParaRPr lang="es-419" dirty="0"/>
+          </a:p>
+          <a:p>
+            <a:r>
+              <a:rPr lang="es-419" dirty="0"/>
+              <a:t>Escribir una función llamada </a:t>
+            </a:r>
+            <a:r>
+              <a:rPr lang="es-419" b="1" dirty="0" err="1"/>
+              <a:t>calcularMáximoMinimo</a:t>
+            </a:r>
+            <a:r>
+              <a:rPr lang="es-419" b="1" dirty="0"/>
+              <a:t>(</a:t>
+            </a:r>
+            <a:r>
+              <a:rPr lang="es-419" b="1" dirty="0" err="1"/>
+              <a:t>listaBonos</a:t>
+            </a:r>
+            <a:r>
+              <a:rPr lang="es-419" b="1" dirty="0"/>
+              <a:t>)</a:t>
+            </a:r>
+            <a:r>
+              <a:rPr lang="es-419" dirty="0"/>
+              <a:t> que reciba la lista de tuplas  generada en la función anterior, donde retorne dos tuplas una con el  </a:t>
+            </a:r>
+            <a:r>
+              <a:rPr lang="es-419" dirty="0" err="1"/>
+              <a:t>nombre,edad</a:t>
+            </a:r>
+            <a:r>
+              <a:rPr lang="es-419" dirty="0"/>
+              <a:t> y valor del bono del empleado que recibe el  mayor "bono" y otra tupla con los datos del empleado que recibe menor “bono”.</a:t>
+            </a:r>
+          </a:p>
+          <a:p>
+            <a:r>
+              <a:rPr lang="es-419" dirty="0"/>
+              <a:t>Crear un menú para </a:t>
+            </a:r>
+            <a:r>
+              <a:rPr lang="es-419"/>
+              <a:t>estas funciones</a:t>
+            </a:r>
+            <a:r>
+              <a:rPr lang="es-419" dirty="0"/>
+              <a:t>.</a:t>
+            </a:r>
+            <a:br>
+              <a:rPr lang="es-419" dirty="0"/>
+            </a:br>
+            <a:br>
+              <a:rPr lang="es-419" dirty="0"/>
+            </a:br>
+            <a:endParaRPr lang="es-419" dirty="0"/>
           </a:p>
         </p:txBody>
       </p:sp>

--- a/Ejercicios/Ejercicios.pptx
+++ b/Ejercicios/Ejercicios.pptx
@@ -35,6 +35,10 @@
     <p:sldId id="283" r:id="rId29"/>
     <p:sldId id="284" r:id="rId30"/>
     <p:sldId id="285" r:id="rId31"/>
+    <p:sldId id="286" r:id="rId32"/>
+    <p:sldId id="288" r:id="rId33"/>
+    <p:sldId id="289" r:id="rId34"/>
+    <p:sldId id="287" r:id="rId35"/>
   </p:sldIdLst>
   <p:sldSz cx="12192000" cy="6858000"/>
   <p:notesSz cx="6858000" cy="9144000"/>
@@ -315,7 +319,7 @@
             <a:fld id="{87DE6118-2437-4B30-8E3C-4D2BE6020583}" type="datetimeFigureOut">
               <a:rPr lang="en-US" dirty="0"/>
               <a:pPr/>
-              <a:t>1/3/2018</a:t>
+              <a:t>1/5/2018</a:t>
             </a:fld>
             <a:endParaRPr lang="en-US" dirty="0"/>
           </a:p>
@@ -641,7 +645,7 @@
           <a:p>
             <a:fld id="{87DE6118-2437-4B30-8E3C-4D2BE6020583}" type="datetimeFigureOut">
               <a:rPr lang="en-US" dirty="0"/>
-              <a:t>1/3/2018</a:t>
+              <a:t>1/5/2018</a:t>
             </a:fld>
             <a:endParaRPr lang="en-US" dirty="0"/>
           </a:p>
@@ -816,7 +820,7 @@
           <a:p>
             <a:fld id="{87DE6118-2437-4B30-8E3C-4D2BE6020583}" type="datetimeFigureOut">
               <a:rPr lang="en-US" dirty="0"/>
-              <a:t>1/3/2018</a:t>
+              <a:t>1/5/2018</a:t>
             </a:fld>
             <a:endParaRPr lang="en-US" dirty="0"/>
           </a:p>
@@ -981,7 +985,7 @@
           <a:p>
             <a:fld id="{87DE6118-2437-4B30-8E3C-4D2BE6020583}" type="datetimeFigureOut">
               <a:rPr lang="en-US" dirty="0"/>
-              <a:t>1/3/2018</a:t>
+              <a:t>1/5/2018</a:t>
             </a:fld>
             <a:endParaRPr lang="en-US" dirty="0"/>
           </a:p>
@@ -1254,7 +1258,7 @@
             <a:fld id="{87DE6118-2437-4B30-8E3C-4D2BE6020583}" type="datetimeFigureOut">
               <a:rPr lang="en-US" dirty="0"/>
               <a:pPr/>
-              <a:t>1/3/2018</a:t>
+              <a:t>1/5/2018</a:t>
             </a:fld>
             <a:endParaRPr lang="en-US" dirty="0"/>
           </a:p>
@@ -1644,7 +1648,7 @@
           <a:p>
             <a:fld id="{87DE6118-2437-4B30-8E3C-4D2BE6020583}" type="datetimeFigureOut">
               <a:rPr lang="en-US" dirty="0"/>
-              <a:t>1/3/2018</a:t>
+              <a:t>1/5/2018</a:t>
             </a:fld>
             <a:endParaRPr lang="en-US" dirty="0"/>
           </a:p>
@@ -2116,7 +2120,7 @@
           <a:p>
             <a:fld id="{87DE6118-2437-4B30-8E3C-4D2BE6020583}" type="datetimeFigureOut">
               <a:rPr lang="en-US" dirty="0"/>
-              <a:t>1/3/2018</a:t>
+              <a:t>1/5/2018</a:t>
             </a:fld>
             <a:endParaRPr lang="en-US" dirty="0"/>
           </a:p>
@@ -2229,7 +2233,7 @@
           <a:p>
             <a:fld id="{87DE6118-2437-4B30-8E3C-4D2BE6020583}" type="datetimeFigureOut">
               <a:rPr lang="en-US" dirty="0"/>
-              <a:t>1/3/2018</a:t>
+              <a:t>1/5/2018</a:t>
             </a:fld>
             <a:endParaRPr lang="en-US" dirty="0"/>
           </a:p>
@@ -2319,7 +2323,7 @@
           <a:p>
             <a:fld id="{87DE6118-2437-4B30-8E3C-4D2BE6020583}" type="datetimeFigureOut">
               <a:rPr lang="en-US" dirty="0"/>
-              <a:t>1/3/2018</a:t>
+              <a:t>1/5/2018</a:t>
             </a:fld>
             <a:endParaRPr lang="en-US" dirty="0"/>
           </a:p>
@@ -2661,7 +2665,7 @@
             <a:fld id="{87DE6118-2437-4B30-8E3C-4D2BE6020583}" type="datetimeFigureOut">
               <a:rPr lang="en-US" dirty="0"/>
               <a:pPr/>
-              <a:t>1/3/2018</a:t>
+              <a:t>1/5/2018</a:t>
             </a:fld>
             <a:endParaRPr lang="en-US" dirty="0"/>
           </a:p>
@@ -3046,7 +3050,7 @@
             <a:fld id="{87DE6118-2437-4B30-8E3C-4D2BE6020583}" type="datetimeFigureOut">
               <a:rPr lang="en-US" dirty="0"/>
               <a:pPr/>
-              <a:t>1/3/2018</a:t>
+              <a:t>1/5/2018</a:t>
             </a:fld>
             <a:endParaRPr lang="en-US" dirty="0"/>
           </a:p>
@@ -3321,7 +3325,7 @@
             <a:fld id="{87DE6118-2437-4B30-8E3C-4D2BE6020583}" type="datetimeFigureOut">
               <a:rPr lang="en-US" dirty="0"/>
               <a:pPr/>
-              <a:t>1/3/2018</a:t>
+              <a:t>1/5/2018</a:t>
             </a:fld>
             <a:endParaRPr lang="en-US" dirty="0"/>
           </a:p>
@@ -11395,6 +11399,611 @@
 </p:sld>
 </file>
 
+<file path=ppt/slides/slide31.xml><?xml version="1.0" encoding="utf-8"?>
+<p:sld xmlns:a="http://schemas.openxmlformats.org/drawingml/2006/main" xmlns:r="http://schemas.openxmlformats.org/officeDocument/2006/relationships" xmlns:p="http://schemas.openxmlformats.org/presentationml/2006/main">
+  <p:cSld>
+    <p:spTree>
+      <p:nvGrpSpPr>
+        <p:cNvPr id="1" name=""/>
+        <p:cNvGrpSpPr/>
+        <p:nvPr/>
+      </p:nvGrpSpPr>
+      <p:grpSpPr>
+        <a:xfrm>
+          <a:off x="0" y="0"/>
+          <a:ext cx="0" cy="0"/>
+          <a:chOff x="0" y="0"/>
+          <a:chExt cx="0" cy="0"/>
+        </a:xfrm>
+      </p:grpSpPr>
+      <p:sp>
+        <p:nvSpPr>
+          <p:cNvPr id="2" name="Título 1">
+            <a:extLst>
+              <a:ext uri="{FF2B5EF4-FFF2-40B4-BE49-F238E27FC236}">
+                <a16:creationId xmlns:a16="http://schemas.microsoft.com/office/drawing/2014/main" id="{DB4EB355-86AA-4C9A-A2F6-353438AC0C7F}"/>
+              </a:ext>
+            </a:extLst>
+          </p:cNvPr>
+          <p:cNvSpPr>
+            <a:spLocks noGrp="1"/>
+          </p:cNvSpPr>
+          <p:nvPr>
+            <p:ph type="title"/>
+          </p:nvPr>
+        </p:nvSpPr>
+        <p:spPr/>
+        <p:txBody>
+          <a:bodyPr/>
+          <a:lstStyle/>
+          <a:p>
+            <a:r>
+              <a:rPr lang="es-419" dirty="0"/>
+              <a:t>Colecciones - Diccionarios</a:t>
+            </a:r>
+          </a:p>
+        </p:txBody>
+      </p:sp>
+      <p:sp>
+        <p:nvSpPr>
+          <p:cNvPr id="3" name="Marcador de contenido 2">
+            <a:extLst>
+              <a:ext uri="{FF2B5EF4-FFF2-40B4-BE49-F238E27FC236}">
+                <a16:creationId xmlns:a16="http://schemas.microsoft.com/office/drawing/2014/main" id="{AAC75816-2633-4F10-9B4A-328F728EAC8E}"/>
+              </a:ext>
+            </a:extLst>
+          </p:cNvPr>
+          <p:cNvSpPr>
+            <a:spLocks noGrp="1"/>
+          </p:cNvSpPr>
+          <p:nvPr>
+            <p:ph idx="1"/>
+          </p:nvPr>
+        </p:nvSpPr>
+        <p:spPr/>
+        <p:txBody>
+          <a:bodyPr>
+            <a:normAutofit/>
+          </a:bodyPr>
+          <a:lstStyle/>
+          <a:p>
+            <a:r>
+              <a:rPr lang="es-419" sz="2800" i="1" dirty="0"/>
+              <a:t>Generar un programa que permita guardar 10 palabras ingresadas por el usuario en una lista y luego muestre en pantalla cada palabra con sus respectivos valores correspondientes al número de veces que fueron ingresadas por el usuario.</a:t>
+            </a:r>
+            <a:endParaRPr lang="es-419" sz="2800" dirty="0"/>
+          </a:p>
+        </p:txBody>
+      </p:sp>
+    </p:spTree>
+    <p:extLst>
+      <p:ext uri="{BB962C8B-B14F-4D97-AF65-F5344CB8AC3E}">
+        <p14:creationId xmlns:p14="http://schemas.microsoft.com/office/powerpoint/2010/main" val="3144895313"/>
+      </p:ext>
+    </p:extLst>
+  </p:cSld>
+  <p:clrMapOvr>
+    <a:masterClrMapping/>
+  </p:clrMapOvr>
+</p:sld>
+</file>
+
+<file path=ppt/slides/slide32.xml><?xml version="1.0" encoding="utf-8"?>
+<p:sld xmlns:a="http://schemas.openxmlformats.org/drawingml/2006/main" xmlns:r="http://schemas.openxmlformats.org/officeDocument/2006/relationships" xmlns:p="http://schemas.openxmlformats.org/presentationml/2006/main">
+  <p:cSld>
+    <p:spTree>
+      <p:nvGrpSpPr>
+        <p:cNvPr id="1" name=""/>
+        <p:cNvGrpSpPr/>
+        <p:nvPr/>
+      </p:nvGrpSpPr>
+      <p:grpSpPr>
+        <a:xfrm>
+          <a:off x="0" y="0"/>
+          <a:ext cx="0" cy="0"/>
+          <a:chOff x="0" y="0"/>
+          <a:chExt cx="0" cy="0"/>
+        </a:xfrm>
+      </p:grpSpPr>
+      <p:sp>
+        <p:nvSpPr>
+          <p:cNvPr id="2" name="Título 1">
+            <a:extLst>
+              <a:ext uri="{FF2B5EF4-FFF2-40B4-BE49-F238E27FC236}">
+                <a16:creationId xmlns:a16="http://schemas.microsoft.com/office/drawing/2014/main" id="{FC05AE5F-2B68-4DDB-9F0E-2C1D6E3BC6EA}"/>
+              </a:ext>
+            </a:extLst>
+          </p:cNvPr>
+          <p:cNvSpPr>
+            <a:spLocks noGrp="1"/>
+          </p:cNvSpPr>
+          <p:nvPr>
+            <p:ph type="title"/>
+          </p:nvPr>
+        </p:nvSpPr>
+        <p:spPr/>
+        <p:txBody>
+          <a:bodyPr/>
+          <a:lstStyle/>
+          <a:p>
+            <a:r>
+              <a:rPr lang="es-419" dirty="0"/>
+              <a:t>Diccionarios</a:t>
+            </a:r>
+          </a:p>
+        </p:txBody>
+      </p:sp>
+      <p:sp>
+        <p:nvSpPr>
+          <p:cNvPr id="3" name="Marcador de contenido 2">
+            <a:extLst>
+              <a:ext uri="{FF2B5EF4-FFF2-40B4-BE49-F238E27FC236}">
+                <a16:creationId xmlns:a16="http://schemas.microsoft.com/office/drawing/2014/main" id="{C5A5E165-9466-43E6-B4A2-9C00A34C303A}"/>
+              </a:ext>
+            </a:extLst>
+          </p:cNvPr>
+          <p:cNvSpPr>
+            <a:spLocks noGrp="1"/>
+          </p:cNvSpPr>
+          <p:nvPr>
+            <p:ph idx="1"/>
+          </p:nvPr>
+        </p:nvSpPr>
+        <p:spPr>
+          <a:xfrm>
+            <a:off x="1371600" y="1325217"/>
+            <a:ext cx="9601200" cy="4542183"/>
+          </a:xfrm>
+        </p:spPr>
+        <p:txBody>
+          <a:bodyPr>
+            <a:normAutofit/>
+          </a:bodyPr>
+          <a:lstStyle/>
+          <a:p>
+            <a:r>
+              <a:rPr lang="es-419" dirty="0"/>
+              <a:t>Usando el diccionario descrito a continuación, cuyas claves son los meses y los valores corresponden al número de días que tiene cada mes.</a:t>
+            </a:r>
+          </a:p>
+          <a:p>
+            <a:r>
+              <a:rPr lang="es-419" b="1" dirty="0" err="1"/>
+              <a:t>days</a:t>
+            </a:r>
+            <a:r>
+              <a:rPr lang="es-419" b="1" dirty="0"/>
+              <a:t> = {'January':31, 'February':28, 'March':31, 'April':30, 'May':31, 'June':30, 'July':31, 'August':31, 'September':30, 'October':31, 'November':30, 'December':31}</a:t>
+            </a:r>
+            <a:endParaRPr lang="es-419" dirty="0"/>
+          </a:p>
+          <a:p>
+            <a:r>
+              <a:rPr lang="es-419" b="1" dirty="0"/>
+              <a:t>(a) </a:t>
+            </a:r>
+            <a:r>
+              <a:rPr lang="es-419" dirty="0"/>
+              <a:t>Solicitar al usuario el ingreso del nombre de un mes y usar el diccionario para imprimir el número de días que tiene ese mes.</a:t>
+            </a:r>
+          </a:p>
+          <a:p>
+            <a:r>
+              <a:rPr lang="es-419" b="1" dirty="0"/>
+              <a:t>(b)</a:t>
+            </a:r>
+            <a:r>
+              <a:rPr lang="es-419" dirty="0"/>
+              <a:t> Imprimir todas las claves en orden alfabético.</a:t>
+            </a:r>
+          </a:p>
+          <a:p>
+            <a:r>
+              <a:rPr lang="es-419" b="1" dirty="0"/>
+              <a:t>(c)</a:t>
+            </a:r>
+            <a:r>
+              <a:rPr lang="es-419" dirty="0"/>
+              <a:t> Imprimir todos los meses que tengan 31 días.</a:t>
+            </a:r>
+          </a:p>
+          <a:p>
+            <a:r>
+              <a:rPr lang="es-419" b="1" dirty="0"/>
+              <a:t>(d)</a:t>
+            </a:r>
+            <a:r>
+              <a:rPr lang="es-419" dirty="0"/>
+              <a:t> </a:t>
+            </a:r>
+            <a:r>
+              <a:rPr lang="es-419" dirty="0" err="1"/>
+              <a:t>Impimir</a:t>
+            </a:r>
+            <a:r>
+              <a:rPr lang="es-419" dirty="0"/>
+              <a:t> los pares (</a:t>
+            </a:r>
+            <a:r>
+              <a:rPr lang="es-419" dirty="0" err="1"/>
+              <a:t>clave:valor</a:t>
+            </a:r>
+            <a:r>
+              <a:rPr lang="es-419" dirty="0"/>
+              <a:t>) ordenador por el número de días que tiene cada mes.</a:t>
+            </a:r>
+          </a:p>
+        </p:txBody>
+      </p:sp>
+    </p:spTree>
+    <p:extLst>
+      <p:ext uri="{BB962C8B-B14F-4D97-AF65-F5344CB8AC3E}">
+        <p14:creationId xmlns:p14="http://schemas.microsoft.com/office/powerpoint/2010/main" val="818399688"/>
+      </p:ext>
+    </p:extLst>
+  </p:cSld>
+  <p:clrMapOvr>
+    <a:masterClrMapping/>
+  </p:clrMapOvr>
+</p:sld>
+</file>
+
+<file path=ppt/slides/slide33.xml><?xml version="1.0" encoding="utf-8"?>
+<p:sld xmlns:a="http://schemas.openxmlformats.org/drawingml/2006/main" xmlns:r="http://schemas.openxmlformats.org/officeDocument/2006/relationships" xmlns:p="http://schemas.openxmlformats.org/presentationml/2006/main">
+  <p:cSld>
+    <p:spTree>
+      <p:nvGrpSpPr>
+        <p:cNvPr id="1" name=""/>
+        <p:cNvGrpSpPr/>
+        <p:nvPr/>
+      </p:nvGrpSpPr>
+      <p:grpSpPr>
+        <a:xfrm>
+          <a:off x="0" y="0"/>
+          <a:ext cx="0" cy="0"/>
+          <a:chOff x="0" y="0"/>
+          <a:chExt cx="0" cy="0"/>
+        </a:xfrm>
+      </p:grpSpPr>
+      <p:sp>
+        <p:nvSpPr>
+          <p:cNvPr id="2" name="Título 1">
+            <a:extLst>
+              <a:ext uri="{FF2B5EF4-FFF2-40B4-BE49-F238E27FC236}">
+                <a16:creationId xmlns:a16="http://schemas.microsoft.com/office/drawing/2014/main" id="{F264FE4B-0D9F-406A-96E5-677345DB3222}"/>
+              </a:ext>
+            </a:extLst>
+          </p:cNvPr>
+          <p:cNvSpPr>
+            <a:spLocks noGrp="1"/>
+          </p:cNvSpPr>
+          <p:nvPr>
+            <p:ph type="title"/>
+          </p:nvPr>
+        </p:nvSpPr>
+        <p:spPr>
+          <a:xfrm>
+            <a:off x="735496" y="0"/>
+            <a:ext cx="9601200" cy="1485900"/>
+          </a:xfrm>
+        </p:spPr>
+        <p:txBody>
+          <a:bodyPr/>
+          <a:lstStyle/>
+          <a:p>
+            <a:r>
+              <a:rPr lang="es-419" dirty="0"/>
+              <a:t>Diccionarios</a:t>
+            </a:r>
+          </a:p>
+        </p:txBody>
+      </p:sp>
+      <p:sp>
+        <p:nvSpPr>
+          <p:cNvPr id="3" name="Marcador de contenido 2">
+            <a:extLst>
+              <a:ext uri="{FF2B5EF4-FFF2-40B4-BE49-F238E27FC236}">
+                <a16:creationId xmlns:a16="http://schemas.microsoft.com/office/drawing/2014/main" id="{DC5347AF-52E8-4396-9A3A-6EF4AD34EA42}"/>
+              </a:ext>
+            </a:extLst>
+          </p:cNvPr>
+          <p:cNvSpPr>
+            <a:spLocks noGrp="1"/>
+          </p:cNvSpPr>
+          <p:nvPr>
+            <p:ph idx="1"/>
+          </p:nvPr>
+        </p:nvSpPr>
+        <p:spPr>
+          <a:xfrm>
+            <a:off x="1371599" y="795130"/>
+            <a:ext cx="10475843" cy="5072270"/>
+          </a:xfrm>
+        </p:spPr>
+        <p:txBody>
+          <a:bodyPr>
+            <a:normAutofit fontScale="92500" lnSpcReduction="10000"/>
+          </a:bodyPr>
+          <a:lstStyle/>
+          <a:p>
+            <a:r>
+              <a:rPr lang="es-419" dirty="0"/>
+              <a:t>La Resistencia, después de un fuerte enfrentamiento con la Primera Orden y la muerte de Luke </a:t>
+            </a:r>
+            <a:r>
+              <a:rPr lang="es-419" dirty="0" err="1"/>
+              <a:t>Skywalker</a:t>
+            </a:r>
+            <a:r>
+              <a:rPr lang="es-419" dirty="0"/>
+              <a:t> &gt;:(, hace un reporte llamado reporteResistencia.txt de todo lo que poseen con el siguiente formato (los </a:t>
+            </a:r>
+            <a:r>
+              <a:rPr lang="es-419" dirty="0" err="1"/>
+              <a:t>droides</a:t>
+            </a:r>
+            <a:r>
+              <a:rPr lang="es-419" dirty="0"/>
+              <a:t> y ciertas naves son únicos por lo que no se especifica la cantidad):</a:t>
+            </a:r>
+          </a:p>
+          <a:p>
+            <a:br>
+              <a:rPr lang="es-419" dirty="0"/>
+            </a:br>
+            <a:r>
+              <a:rPr lang="es-419" b="1" i="1" dirty="0" err="1"/>
+              <a:t>Nombre,Cantidad|Categoría|Subcategoría</a:t>
+            </a:r>
+            <a:endParaRPr lang="es-419" dirty="0"/>
+          </a:p>
+          <a:p>
+            <a:r>
+              <a:rPr lang="es-419" i="1" dirty="0"/>
+              <a:t>C3PO|Droides|Protocolo</a:t>
+            </a:r>
+            <a:endParaRPr lang="es-419" dirty="0"/>
+          </a:p>
+          <a:p>
+            <a:r>
+              <a:rPr lang="es-419" i="1" dirty="0" err="1"/>
+              <a:t>Halcon</a:t>
+            </a:r>
+            <a:r>
+              <a:rPr lang="es-419" i="1" dirty="0"/>
+              <a:t> </a:t>
+            </a:r>
+            <a:r>
+              <a:rPr lang="es-419" i="1" dirty="0" err="1"/>
+              <a:t>Milenario|Naves|Carga</a:t>
+            </a:r>
+            <a:endParaRPr lang="es-419" dirty="0"/>
+          </a:p>
+          <a:p>
+            <a:r>
+              <a:rPr lang="es-419" i="1" dirty="0"/>
+              <a:t>R2D2|Droides|Astromecanico</a:t>
+            </a:r>
+            <a:endParaRPr lang="es-419" dirty="0"/>
+          </a:p>
+          <a:p>
+            <a:r>
+              <a:rPr lang="es-419" i="1" dirty="0"/>
+              <a:t>BB8|Droides|Astromecanico</a:t>
+            </a:r>
+            <a:endParaRPr lang="es-419" dirty="0"/>
+          </a:p>
+          <a:p>
+            <a:r>
+              <a:rPr lang="es-419" i="1" dirty="0"/>
+              <a:t>DH17,2|Armas|Desintegrador</a:t>
+            </a:r>
+            <a:endParaRPr lang="es-419" dirty="0"/>
+          </a:p>
+          <a:p>
+            <a:r>
+              <a:rPr lang="es-419" i="1" dirty="0"/>
+              <a:t>A280,1|Armas|Desintegrador</a:t>
+            </a:r>
+            <a:endParaRPr lang="es-419" dirty="0"/>
+          </a:p>
+          <a:p>
+            <a:r>
+              <a:rPr lang="es-419" dirty="0"/>
+              <a:t>Construya un diccionario que tendrá como claves las categorías y como valores otros diccionarios que tendrán como claves las subcategorías y como valores una lista con todos los nombres pertenecientes a esa subcategoría; para el caso de artículos varios, la lista estará constituida de una tupla con el nombre de la subcategoría y su respectiva cantidad.</a:t>
+            </a:r>
+          </a:p>
+        </p:txBody>
+      </p:sp>
+    </p:spTree>
+    <p:extLst>
+      <p:ext uri="{BB962C8B-B14F-4D97-AF65-F5344CB8AC3E}">
+        <p14:creationId xmlns:p14="http://schemas.microsoft.com/office/powerpoint/2010/main" val="2237065852"/>
+      </p:ext>
+    </p:extLst>
+  </p:cSld>
+  <p:clrMapOvr>
+    <a:masterClrMapping/>
+  </p:clrMapOvr>
+</p:sld>
+</file>
+
+<file path=ppt/slides/slide34.xml><?xml version="1.0" encoding="utf-8"?>
+<p:sld xmlns:a="http://schemas.openxmlformats.org/drawingml/2006/main" xmlns:r="http://schemas.openxmlformats.org/officeDocument/2006/relationships" xmlns:p="http://schemas.openxmlformats.org/presentationml/2006/main">
+  <p:cSld>
+    <p:spTree>
+      <p:nvGrpSpPr>
+        <p:cNvPr id="1" name=""/>
+        <p:cNvGrpSpPr/>
+        <p:nvPr/>
+      </p:nvGrpSpPr>
+      <p:grpSpPr>
+        <a:xfrm>
+          <a:off x="0" y="0"/>
+          <a:ext cx="0" cy="0"/>
+          <a:chOff x="0" y="0"/>
+          <a:chExt cx="0" cy="0"/>
+        </a:xfrm>
+      </p:grpSpPr>
+      <p:sp>
+        <p:nvSpPr>
+          <p:cNvPr id="2" name="Título 1">
+            <a:extLst>
+              <a:ext uri="{FF2B5EF4-FFF2-40B4-BE49-F238E27FC236}">
+                <a16:creationId xmlns:a16="http://schemas.microsoft.com/office/drawing/2014/main" id="{3124A435-5417-48B2-977E-2AB1D4E06EB7}"/>
+              </a:ext>
+            </a:extLst>
+          </p:cNvPr>
+          <p:cNvSpPr>
+            <a:spLocks noGrp="1"/>
+          </p:cNvSpPr>
+          <p:nvPr>
+            <p:ph type="title"/>
+          </p:nvPr>
+        </p:nvSpPr>
+        <p:spPr>
+          <a:xfrm>
+            <a:off x="655983" y="0"/>
+            <a:ext cx="9601200" cy="1485900"/>
+          </a:xfrm>
+        </p:spPr>
+        <p:txBody>
+          <a:bodyPr/>
+          <a:lstStyle/>
+          <a:p>
+            <a:r>
+              <a:rPr lang="es-419" dirty="0"/>
+              <a:t>Diccionarios Anidados</a:t>
+            </a:r>
+          </a:p>
+        </p:txBody>
+      </p:sp>
+      <p:sp>
+        <p:nvSpPr>
+          <p:cNvPr id="3" name="Marcador de contenido 2">
+            <a:extLst>
+              <a:ext uri="{FF2B5EF4-FFF2-40B4-BE49-F238E27FC236}">
+                <a16:creationId xmlns:a16="http://schemas.microsoft.com/office/drawing/2014/main" id="{E45B4597-E1F8-4818-BE38-2E87DA104F38}"/>
+              </a:ext>
+            </a:extLst>
+          </p:cNvPr>
+          <p:cNvSpPr>
+            <a:spLocks noGrp="1"/>
+          </p:cNvSpPr>
+          <p:nvPr>
+            <p:ph idx="1"/>
+          </p:nvPr>
+        </p:nvSpPr>
+        <p:spPr>
+          <a:xfrm>
+            <a:off x="828260" y="602974"/>
+            <a:ext cx="11191462" cy="4591878"/>
+          </a:xfrm>
+        </p:spPr>
+        <p:txBody>
+          <a:bodyPr>
+            <a:normAutofit/>
+          </a:bodyPr>
+          <a:lstStyle/>
+          <a:p>
+            <a:r>
+              <a:rPr lang="es-419" dirty="0"/>
+              <a:t>Para una investigación se recolectó información de </a:t>
+            </a:r>
+            <a:r>
+              <a:rPr lang="es-419" dirty="0" err="1"/>
+              <a:t>twitter</a:t>
+            </a:r>
+            <a:r>
+              <a:rPr lang="es-419" dirty="0"/>
+              <a:t> para conocer cuántas personas se encuentran de paseo en una ciudad. Para lo cual se tiene un conjunto con las palabras usadas para determinar si el tweet es válido o no para el propósito que se desee alcanzar. Los datos de los usuarios se encuentran en un diccionario anidado de la siguiente forma:</a:t>
+            </a:r>
+          </a:p>
+          <a:p>
+            <a:r>
+              <a:rPr lang="es-419" dirty="0"/>
+              <a:t>Tweets={1:{ '</a:t>
+            </a:r>
+            <a:r>
+              <a:rPr lang="es-419" dirty="0" err="1"/>
+              <a:t>geo_enabled</a:t>
+            </a:r>
+            <a:r>
+              <a:rPr lang="es-419" dirty="0"/>
+              <a:t>': True, '</a:t>
+            </a:r>
+            <a:r>
+              <a:rPr lang="es-419" dirty="0" err="1"/>
+              <a:t>description</a:t>
+            </a:r>
+            <a:r>
+              <a:rPr lang="es-419" dirty="0"/>
+              <a:t>':’Disfrutando de las vacaciones.', '</a:t>
+            </a:r>
+            <a:r>
+              <a:rPr lang="es-419" dirty="0" err="1"/>
+              <a:t>location</a:t>
+            </a:r>
+            <a:r>
+              <a:rPr lang="es-419" dirty="0"/>
+              <a:t>': 'Guayaquil, Ecuador',’</a:t>
+            </a:r>
+            <a:r>
+              <a:rPr lang="es-419" dirty="0" err="1"/>
+              <a:t>user</a:t>
+            </a:r>
+            <a:r>
+              <a:rPr lang="es-419" dirty="0"/>
+              <a:t>’: {"id": 2244994945,'screen_name': '</a:t>
+            </a:r>
+            <a:r>
+              <a:rPr lang="es-419" dirty="0" err="1"/>
+              <a:t>elenajk</a:t>
+            </a:r>
+            <a:r>
+              <a:rPr lang="es-419" dirty="0"/>
+              <a:t>'} ,….}</a:t>
+            </a:r>
+          </a:p>
+          <a:p>
+            <a:r>
+              <a:rPr lang="es-419" dirty="0"/>
+              <a:t>palabras={“paseo”,”viaje”,”vacaciones”,”diversión”,”disfrutando”,”paseando”,”viajando”, “tour”}</a:t>
+            </a:r>
+          </a:p>
+          <a:p>
+            <a:r>
+              <a:rPr lang="es-419" dirty="0"/>
+              <a:t>Se le solicita a usted:</a:t>
+            </a:r>
+          </a:p>
+          <a:p>
+            <a:r>
+              <a:rPr lang="es-419" dirty="0"/>
+              <a:t>a)   Hacer un diccionario con la ciudad y el número de usuarios que se encuentran de visita.</a:t>
+            </a:r>
+          </a:p>
+          <a:p>
+            <a:r>
+              <a:rPr lang="es-419" dirty="0"/>
+              <a:t>b)   Hacer un diccionario con la ciudad como clave y una lista de visitantes como valor.</a:t>
+            </a:r>
+          </a:p>
+        </p:txBody>
+      </p:sp>
+    </p:spTree>
+    <p:extLst>
+      <p:ext uri="{BB962C8B-B14F-4D97-AF65-F5344CB8AC3E}">
+        <p14:creationId xmlns:p14="http://schemas.microsoft.com/office/powerpoint/2010/main" val="826368775"/>
+      </p:ext>
+    </p:extLst>
+  </p:cSld>
+  <p:clrMapOvr>
+    <a:masterClrMapping/>
+  </p:clrMapOvr>
+</p:sld>
+</file>
+
 <file path=ppt/slides/slide4.xml><?xml version="1.0" encoding="utf-8"?>
 <p:sld xmlns:a="http://schemas.openxmlformats.org/drawingml/2006/main" xmlns:r="http://schemas.openxmlformats.org/officeDocument/2006/relationships" xmlns:p="http://schemas.openxmlformats.org/presentationml/2006/main">
   <p:cSld>

--- a/Ejercicios/Ejercicios.pptx
+++ b/Ejercicios/Ejercicios.pptx
@@ -37,8 +37,9 @@
     <p:sldId id="285" r:id="rId31"/>
     <p:sldId id="286" r:id="rId32"/>
     <p:sldId id="288" r:id="rId33"/>
-    <p:sldId id="289" r:id="rId34"/>
-    <p:sldId id="287" r:id="rId35"/>
+    <p:sldId id="290" r:id="rId34"/>
+    <p:sldId id="289" r:id="rId35"/>
+    <p:sldId id="287" r:id="rId36"/>
   </p:sldIdLst>
   <p:sldSz cx="12192000" cy="6858000"/>
   <p:notesSz cx="6858000" cy="9144000"/>
@@ -319,7 +320,7 @@
             <a:fld id="{87DE6118-2437-4B30-8E3C-4D2BE6020583}" type="datetimeFigureOut">
               <a:rPr lang="en-US" dirty="0"/>
               <a:pPr/>
-              <a:t>1/5/2018</a:t>
+              <a:t>1/10/2018</a:t>
             </a:fld>
             <a:endParaRPr lang="en-US" dirty="0"/>
           </a:p>
@@ -645,7 +646,7 @@
           <a:p>
             <a:fld id="{87DE6118-2437-4B30-8E3C-4D2BE6020583}" type="datetimeFigureOut">
               <a:rPr lang="en-US" dirty="0"/>
-              <a:t>1/5/2018</a:t>
+              <a:t>1/10/2018</a:t>
             </a:fld>
             <a:endParaRPr lang="en-US" dirty="0"/>
           </a:p>
@@ -820,7 +821,7 @@
           <a:p>
             <a:fld id="{87DE6118-2437-4B30-8E3C-4D2BE6020583}" type="datetimeFigureOut">
               <a:rPr lang="en-US" dirty="0"/>
-              <a:t>1/5/2018</a:t>
+              <a:t>1/10/2018</a:t>
             </a:fld>
             <a:endParaRPr lang="en-US" dirty="0"/>
           </a:p>
@@ -985,7 +986,7 @@
           <a:p>
             <a:fld id="{87DE6118-2437-4B30-8E3C-4D2BE6020583}" type="datetimeFigureOut">
               <a:rPr lang="en-US" dirty="0"/>
-              <a:t>1/5/2018</a:t>
+              <a:t>1/10/2018</a:t>
             </a:fld>
             <a:endParaRPr lang="en-US" dirty="0"/>
           </a:p>
@@ -1258,7 +1259,7 @@
             <a:fld id="{87DE6118-2437-4B30-8E3C-4D2BE6020583}" type="datetimeFigureOut">
               <a:rPr lang="en-US" dirty="0"/>
               <a:pPr/>
-              <a:t>1/5/2018</a:t>
+              <a:t>1/10/2018</a:t>
             </a:fld>
             <a:endParaRPr lang="en-US" dirty="0"/>
           </a:p>
@@ -1648,7 +1649,7 @@
           <a:p>
             <a:fld id="{87DE6118-2437-4B30-8E3C-4D2BE6020583}" type="datetimeFigureOut">
               <a:rPr lang="en-US" dirty="0"/>
-              <a:t>1/5/2018</a:t>
+              <a:t>1/10/2018</a:t>
             </a:fld>
             <a:endParaRPr lang="en-US" dirty="0"/>
           </a:p>
@@ -2120,7 +2121,7 @@
           <a:p>
             <a:fld id="{87DE6118-2437-4B30-8E3C-4D2BE6020583}" type="datetimeFigureOut">
               <a:rPr lang="en-US" dirty="0"/>
-              <a:t>1/5/2018</a:t>
+              <a:t>1/10/2018</a:t>
             </a:fld>
             <a:endParaRPr lang="en-US" dirty="0"/>
           </a:p>
@@ -2233,7 +2234,7 @@
           <a:p>
             <a:fld id="{87DE6118-2437-4B30-8E3C-4D2BE6020583}" type="datetimeFigureOut">
               <a:rPr lang="en-US" dirty="0"/>
-              <a:t>1/5/2018</a:t>
+              <a:t>1/10/2018</a:t>
             </a:fld>
             <a:endParaRPr lang="en-US" dirty="0"/>
           </a:p>
@@ -2323,7 +2324,7 @@
           <a:p>
             <a:fld id="{87DE6118-2437-4B30-8E3C-4D2BE6020583}" type="datetimeFigureOut">
               <a:rPr lang="en-US" dirty="0"/>
-              <a:t>1/5/2018</a:t>
+              <a:t>1/10/2018</a:t>
             </a:fld>
             <a:endParaRPr lang="en-US" dirty="0"/>
           </a:p>
@@ -2665,7 +2666,7 @@
             <a:fld id="{87DE6118-2437-4B30-8E3C-4D2BE6020583}" type="datetimeFigureOut">
               <a:rPr lang="en-US" dirty="0"/>
               <a:pPr/>
-              <a:t>1/5/2018</a:t>
+              <a:t>1/10/2018</a:t>
             </a:fld>
             <a:endParaRPr lang="en-US" dirty="0"/>
           </a:p>
@@ -3050,7 +3051,7 @@
             <a:fld id="{87DE6118-2437-4B30-8E3C-4D2BE6020583}" type="datetimeFigureOut">
               <a:rPr lang="en-US" dirty="0"/>
               <a:pPr/>
-              <a:t>1/5/2018</a:t>
+              <a:t>1/10/2018</a:t>
             </a:fld>
             <a:endParaRPr lang="en-US" dirty="0"/>
           </a:p>
@@ -3325,7 +3326,7 @@
             <a:fld id="{87DE6118-2437-4B30-8E3C-4D2BE6020583}" type="datetimeFigureOut">
               <a:rPr lang="en-US" dirty="0"/>
               <a:pPr/>
-              <a:t>1/5/2018</a:t>
+              <a:t>1/10/2018</a:t>
             </a:fld>
             <a:endParaRPr lang="en-US" dirty="0"/>
           </a:p>
@@ -11670,6 +11671,541 @@
           <p:cNvPr id="2" name="Título 1">
             <a:extLst>
               <a:ext uri="{FF2B5EF4-FFF2-40B4-BE49-F238E27FC236}">
+                <a16:creationId xmlns:a16="http://schemas.microsoft.com/office/drawing/2014/main" id="{BDC5E5C6-9B80-481D-AE3C-B5ABDCEB6A9F}"/>
+              </a:ext>
+            </a:extLst>
+          </p:cNvPr>
+          <p:cNvSpPr>
+            <a:spLocks noGrp="1"/>
+          </p:cNvSpPr>
+          <p:nvPr>
+            <p:ph type="title"/>
+          </p:nvPr>
+        </p:nvSpPr>
+        <p:spPr/>
+        <p:txBody>
+          <a:bodyPr/>
+          <a:lstStyle/>
+          <a:p>
+            <a:r>
+              <a:rPr lang="es-419" dirty="0"/>
+              <a:t>Diccionario –Stock de frutas</a:t>
+            </a:r>
+          </a:p>
+        </p:txBody>
+      </p:sp>
+      <p:sp>
+        <p:nvSpPr>
+          <p:cNvPr id="3" name="Marcador de contenido 2">
+            <a:extLst>
+              <a:ext uri="{FF2B5EF4-FFF2-40B4-BE49-F238E27FC236}">
+                <a16:creationId xmlns:a16="http://schemas.microsoft.com/office/drawing/2014/main" id="{CDD55ABF-3238-4311-B785-B5C8D7E366D1}"/>
+              </a:ext>
+            </a:extLst>
+          </p:cNvPr>
+          <p:cNvSpPr>
+            <a:spLocks noGrp="1"/>
+          </p:cNvSpPr>
+          <p:nvPr>
+            <p:ph idx="1"/>
+          </p:nvPr>
+        </p:nvSpPr>
+        <p:spPr>
+          <a:xfrm>
+            <a:off x="1371600" y="1501254"/>
+            <a:ext cx="9601200" cy="4366146"/>
+          </a:xfrm>
+        </p:spPr>
+        <p:txBody>
+          <a:bodyPr>
+            <a:normAutofit/>
+          </a:bodyPr>
+          <a:lstStyle/>
+          <a:p>
+            <a:r>
+              <a:rPr lang="es-419" sz="3200" dirty="0"/>
+              <a:t>Un supermercado tiene la siguiente lista de tuplas que contiene el nombre de la fruta, su precio y el stock. A partir de esta lista crear 2 diccionarios, uno para el precio y uno para el stock y mostrarlos por pantalla. Una vez hechos los diccionarios, crear un programa que imprima la información de cada fruta y haga un total del precio de todas las frutas.</a:t>
+            </a:r>
+          </a:p>
+          <a:p>
+            <a:endParaRPr lang="es-419" sz="2400" dirty="0"/>
+          </a:p>
+        </p:txBody>
+      </p:sp>
+      <p:sp>
+        <p:nvSpPr>
+          <p:cNvPr id="5" name="Rectangle 2">
+            <a:extLst>
+              <a:ext uri="{FF2B5EF4-FFF2-40B4-BE49-F238E27FC236}">
+                <a16:creationId xmlns:a16="http://schemas.microsoft.com/office/drawing/2014/main" id="{FAE5E9EB-E8D9-4A16-815F-F50C72179E3B}"/>
+              </a:ext>
+            </a:extLst>
+          </p:cNvPr>
+          <p:cNvSpPr>
+            <a:spLocks noChangeArrowheads="1"/>
+          </p:cNvSpPr>
+          <p:nvPr/>
+        </p:nvSpPr>
+        <p:spPr bwMode="auto">
+          <a:xfrm>
+            <a:off x="1371599" y="5200269"/>
+            <a:ext cx="10215349" cy="830997"/>
+          </a:xfrm>
+          <a:prstGeom prst="rect">
+            <a:avLst/>
+          </a:prstGeom>
+          <a:solidFill>
+            <a:srgbClr val="FFFFFF"/>
+          </a:solidFill>
+          <a:ln>
+            <a:noFill/>
+          </a:ln>
+          <a:effectLst/>
+          <a:extLst>
+            <a:ext uri="{91240B29-F687-4F45-9708-019B960494DF}">
+              <a14:hiddenLine xmlns:a14="http://schemas.microsoft.com/office/drawing/2010/main" w="9525">
+                <a:solidFill>
+                  <a:schemeClr val="tx1"/>
+                </a:solidFill>
+                <a:miter lim="800000"/>
+                <a:headEnd/>
+                <a:tailEnd/>
+              </a14:hiddenLine>
+            </a:ext>
+            <a:ext uri="{AF507438-7753-43E0-B8FC-AC1667EBCBE1}">
+              <a14:hiddenEffects xmlns:a14="http://schemas.microsoft.com/office/drawing/2010/main">
+                <a:effectLst>
+                  <a:outerShdw dist="35921" dir="2700000" algn="ctr" rotWithShape="0">
+                    <a:schemeClr val="bg2"/>
+                  </a:outerShdw>
+                </a:effectLst>
+              </a14:hiddenEffects>
+            </a:ext>
+          </a:extLst>
+        </p:spPr>
+        <p:txBody>
+          <a:bodyPr vert="horz" wrap="square" lIns="91440" tIns="45720" rIns="91440" bIns="45720" numCol="1" anchor="ctr" anchorCtr="0" compatLnSpc="1">
+            <a:prstTxWarp prst="textNoShape">
+              <a:avLst/>
+            </a:prstTxWarp>
+            <a:spAutoFit/>
+          </a:bodyPr>
+          <a:lstStyle/>
+          <a:p>
+            <a:pPr marL="0" marR="0" lvl="0" indent="0" algn="l" defTabSz="914400" rtl="0" eaLnBrk="0" fontAlgn="base" latinLnBrk="0" hangingPunct="0">
+              <a:lnSpc>
+                <a:spcPct val="100000"/>
+              </a:lnSpc>
+              <a:spcBef>
+                <a:spcPct val="0"/>
+              </a:spcBef>
+              <a:spcAft>
+                <a:spcPct val="0"/>
+              </a:spcAft>
+              <a:buClrTx/>
+              <a:buSzTx/>
+              <a:buFontTx/>
+              <a:buNone/>
+              <a:tabLst/>
+            </a:pPr>
+            <a:r>
+              <a:rPr kumimoji="0" lang="es-419" altLang="es-419" sz="2400" b="0" i="0" u="none" strike="noStrike" cap="none" normalizeH="0" baseline="0" dirty="0">
+                <a:ln>
+                  <a:noFill/>
+                </a:ln>
+                <a:solidFill>
+                  <a:srgbClr val="000000"/>
+                </a:solidFill>
+                <a:effectLst/>
+                <a:latin typeface="Courier New" panose="02070309020205020404" pitchFamily="49" charset="0"/>
+                <a:cs typeface="Courier New" panose="02070309020205020404" pitchFamily="49" charset="0"/>
+              </a:rPr>
+              <a:t>supermercado=[(</a:t>
+            </a:r>
+            <a:r>
+              <a:rPr kumimoji="0" lang="es-419" altLang="es-419" sz="2400" b="1" i="0" u="none" strike="noStrike" cap="none" normalizeH="0" baseline="0" dirty="0">
+                <a:ln>
+                  <a:noFill/>
+                </a:ln>
+                <a:solidFill>
+                  <a:srgbClr val="008080"/>
+                </a:solidFill>
+                <a:effectLst/>
+                <a:latin typeface="Courier New" panose="02070309020205020404" pitchFamily="49" charset="0"/>
+                <a:cs typeface="Courier New" panose="02070309020205020404" pitchFamily="49" charset="0"/>
+              </a:rPr>
+              <a:t>"banana"</a:t>
+            </a:r>
+            <a:r>
+              <a:rPr kumimoji="0" lang="es-419" altLang="es-419" sz="2400" b="0" i="0" u="none" strike="noStrike" cap="none" normalizeH="0" baseline="0" dirty="0">
+                <a:ln>
+                  <a:noFill/>
+                </a:ln>
+                <a:solidFill>
+                  <a:srgbClr val="000000"/>
+                </a:solidFill>
+                <a:effectLst/>
+                <a:latin typeface="Courier New" panose="02070309020205020404" pitchFamily="49" charset="0"/>
+                <a:cs typeface="Courier New" panose="02070309020205020404" pitchFamily="49" charset="0"/>
+              </a:rPr>
+              <a:t>,</a:t>
+            </a:r>
+            <a:r>
+              <a:rPr kumimoji="0" lang="es-419" altLang="es-419" sz="2400" b="0" i="0" u="none" strike="noStrike" cap="none" normalizeH="0" baseline="0" dirty="0">
+                <a:ln>
+                  <a:noFill/>
+                </a:ln>
+                <a:solidFill>
+                  <a:srgbClr val="0000FF"/>
+                </a:solidFill>
+                <a:effectLst/>
+                <a:latin typeface="Courier New" panose="02070309020205020404" pitchFamily="49" charset="0"/>
+                <a:cs typeface="Courier New" panose="02070309020205020404" pitchFamily="49" charset="0"/>
+              </a:rPr>
+              <a:t>4</a:t>
+            </a:r>
+            <a:r>
+              <a:rPr kumimoji="0" lang="es-419" altLang="es-419" sz="2400" b="0" i="0" u="none" strike="noStrike" cap="none" normalizeH="0" baseline="0" dirty="0">
+                <a:ln>
+                  <a:noFill/>
+                </a:ln>
+                <a:solidFill>
+                  <a:srgbClr val="000000"/>
+                </a:solidFill>
+                <a:effectLst/>
+                <a:latin typeface="Courier New" panose="02070309020205020404" pitchFamily="49" charset="0"/>
+                <a:cs typeface="Courier New" panose="02070309020205020404" pitchFamily="49" charset="0"/>
+              </a:rPr>
+              <a:t>,</a:t>
+            </a:r>
+            <a:r>
+              <a:rPr kumimoji="0" lang="es-419" altLang="es-419" sz="2400" b="0" i="0" u="none" strike="noStrike" cap="none" normalizeH="0" baseline="0" dirty="0">
+                <a:ln>
+                  <a:noFill/>
+                </a:ln>
+                <a:solidFill>
+                  <a:srgbClr val="0000FF"/>
+                </a:solidFill>
+                <a:effectLst/>
+                <a:latin typeface="Courier New" panose="02070309020205020404" pitchFamily="49" charset="0"/>
+                <a:cs typeface="Courier New" panose="02070309020205020404" pitchFamily="49" charset="0"/>
+              </a:rPr>
+              <a:t>6</a:t>
+            </a:r>
+            <a:r>
+              <a:rPr kumimoji="0" lang="es-419" altLang="es-419" sz="2400" b="0" i="0" u="none" strike="noStrike" cap="none" normalizeH="0" baseline="0" dirty="0">
+                <a:ln>
+                  <a:noFill/>
+                </a:ln>
+                <a:solidFill>
+                  <a:srgbClr val="000000"/>
+                </a:solidFill>
+                <a:effectLst/>
+                <a:latin typeface="Courier New" panose="02070309020205020404" pitchFamily="49" charset="0"/>
+                <a:cs typeface="Courier New" panose="02070309020205020404" pitchFamily="49" charset="0"/>
+              </a:rPr>
+              <a:t>),(</a:t>
+            </a:r>
+            <a:r>
+              <a:rPr kumimoji="0" lang="es-419" altLang="es-419" sz="2400" b="1" i="0" u="none" strike="noStrike" cap="none" normalizeH="0" baseline="0" dirty="0">
+                <a:ln>
+                  <a:noFill/>
+                </a:ln>
+                <a:solidFill>
+                  <a:srgbClr val="008080"/>
+                </a:solidFill>
+                <a:effectLst/>
+                <a:latin typeface="Courier New" panose="02070309020205020404" pitchFamily="49" charset="0"/>
+                <a:cs typeface="Courier New" panose="02070309020205020404" pitchFamily="49" charset="0"/>
+              </a:rPr>
+              <a:t>"manzana"</a:t>
+            </a:r>
+            <a:r>
+              <a:rPr kumimoji="0" lang="es-419" altLang="es-419" sz="2400" b="0" i="0" u="none" strike="noStrike" cap="none" normalizeH="0" baseline="0" dirty="0">
+                <a:ln>
+                  <a:noFill/>
+                </a:ln>
+                <a:solidFill>
+                  <a:srgbClr val="000000"/>
+                </a:solidFill>
+                <a:effectLst/>
+                <a:latin typeface="Courier New" panose="02070309020205020404" pitchFamily="49" charset="0"/>
+                <a:cs typeface="Courier New" panose="02070309020205020404" pitchFamily="49" charset="0"/>
+              </a:rPr>
+              <a:t>,</a:t>
+            </a:r>
+            <a:r>
+              <a:rPr kumimoji="0" lang="es-419" altLang="es-419" sz="2400" b="0" i="0" u="none" strike="noStrike" cap="none" normalizeH="0" baseline="0" dirty="0">
+                <a:ln>
+                  <a:noFill/>
+                </a:ln>
+                <a:solidFill>
+                  <a:srgbClr val="0000FF"/>
+                </a:solidFill>
+                <a:effectLst/>
+                <a:latin typeface="Courier New" panose="02070309020205020404" pitchFamily="49" charset="0"/>
+                <a:cs typeface="Courier New" panose="02070309020205020404" pitchFamily="49" charset="0"/>
+              </a:rPr>
+              <a:t>2</a:t>
+            </a:r>
+            <a:r>
+              <a:rPr kumimoji="0" lang="es-419" altLang="es-419" sz="2400" b="0" i="0" u="none" strike="noStrike" cap="none" normalizeH="0" baseline="0" dirty="0">
+                <a:ln>
+                  <a:noFill/>
+                </a:ln>
+                <a:solidFill>
+                  <a:srgbClr val="000000"/>
+                </a:solidFill>
+                <a:effectLst/>
+                <a:latin typeface="Courier New" panose="02070309020205020404" pitchFamily="49" charset="0"/>
+                <a:cs typeface="Courier New" panose="02070309020205020404" pitchFamily="49" charset="0"/>
+              </a:rPr>
+              <a:t>,</a:t>
+            </a:r>
+            <a:r>
+              <a:rPr kumimoji="0" lang="es-419" altLang="es-419" sz="2400" b="0" i="0" u="none" strike="noStrike" cap="none" normalizeH="0" baseline="0" dirty="0">
+                <a:ln>
+                  <a:noFill/>
+                </a:ln>
+                <a:solidFill>
+                  <a:srgbClr val="0000FF"/>
+                </a:solidFill>
+                <a:effectLst/>
+                <a:latin typeface="Courier New" panose="02070309020205020404" pitchFamily="49" charset="0"/>
+                <a:cs typeface="Courier New" panose="02070309020205020404" pitchFamily="49" charset="0"/>
+              </a:rPr>
+              <a:t>0</a:t>
+            </a:r>
+            <a:r>
+              <a:rPr kumimoji="0" lang="es-419" altLang="es-419" sz="2400" b="0" i="0" u="none" strike="noStrike" cap="none" normalizeH="0" baseline="0" dirty="0">
+                <a:ln>
+                  <a:noFill/>
+                </a:ln>
+                <a:solidFill>
+                  <a:srgbClr val="000000"/>
+                </a:solidFill>
+                <a:effectLst/>
+                <a:latin typeface="Courier New" panose="02070309020205020404" pitchFamily="49" charset="0"/>
+                <a:cs typeface="Courier New" panose="02070309020205020404" pitchFamily="49" charset="0"/>
+              </a:rPr>
+              <a:t>),(</a:t>
+            </a:r>
+            <a:r>
+              <a:rPr kumimoji="0" lang="es-419" altLang="es-419" sz="2400" b="1" i="0" u="none" strike="noStrike" cap="none" normalizeH="0" baseline="0" dirty="0">
+                <a:ln>
+                  <a:noFill/>
+                </a:ln>
+                <a:solidFill>
+                  <a:srgbClr val="008080"/>
+                </a:solidFill>
+                <a:effectLst/>
+                <a:latin typeface="Courier New" panose="02070309020205020404" pitchFamily="49" charset="0"/>
+                <a:cs typeface="Courier New" panose="02070309020205020404" pitchFamily="49" charset="0"/>
+              </a:rPr>
+              <a:t>"naranja"</a:t>
+            </a:r>
+            <a:r>
+              <a:rPr kumimoji="0" lang="es-419" altLang="es-419" sz="2400" b="0" i="0" u="none" strike="noStrike" cap="none" normalizeH="0" baseline="0" dirty="0">
+                <a:ln>
+                  <a:noFill/>
+                </a:ln>
+                <a:solidFill>
+                  <a:srgbClr val="000000"/>
+                </a:solidFill>
+                <a:effectLst/>
+                <a:latin typeface="Courier New" panose="02070309020205020404" pitchFamily="49" charset="0"/>
+                <a:cs typeface="Courier New" panose="02070309020205020404" pitchFamily="49" charset="0"/>
+              </a:rPr>
+              <a:t>,</a:t>
+            </a:r>
+            <a:r>
+              <a:rPr kumimoji="0" lang="es-419" altLang="es-419" sz="2400" b="0" i="0" u="none" strike="noStrike" cap="none" normalizeH="0" baseline="0" dirty="0">
+                <a:ln>
+                  <a:noFill/>
+                </a:ln>
+                <a:solidFill>
+                  <a:srgbClr val="0000FF"/>
+                </a:solidFill>
+                <a:effectLst/>
+                <a:latin typeface="Courier New" panose="02070309020205020404" pitchFamily="49" charset="0"/>
+                <a:cs typeface="Courier New" panose="02070309020205020404" pitchFamily="49" charset="0"/>
+              </a:rPr>
+              <a:t>1.5</a:t>
+            </a:r>
+            <a:r>
+              <a:rPr kumimoji="0" lang="es-419" altLang="es-419" sz="2400" b="0" i="0" u="none" strike="noStrike" cap="none" normalizeH="0" baseline="0" dirty="0">
+                <a:ln>
+                  <a:noFill/>
+                </a:ln>
+                <a:solidFill>
+                  <a:srgbClr val="000000"/>
+                </a:solidFill>
+                <a:effectLst/>
+                <a:latin typeface="Courier New" panose="02070309020205020404" pitchFamily="49" charset="0"/>
+                <a:cs typeface="Courier New" panose="02070309020205020404" pitchFamily="49" charset="0"/>
+              </a:rPr>
+              <a:t>,</a:t>
+            </a:r>
+            <a:r>
+              <a:rPr kumimoji="0" lang="es-419" altLang="es-419" sz="2400" b="0" i="0" u="none" strike="noStrike" cap="none" normalizeH="0" baseline="0" dirty="0">
+                <a:ln>
+                  <a:noFill/>
+                </a:ln>
+                <a:solidFill>
+                  <a:srgbClr val="0000FF"/>
+                </a:solidFill>
+                <a:effectLst/>
+                <a:latin typeface="Courier New" panose="02070309020205020404" pitchFamily="49" charset="0"/>
+                <a:cs typeface="Courier New" panose="02070309020205020404" pitchFamily="49" charset="0"/>
+              </a:rPr>
+              <a:t>32</a:t>
+            </a:r>
+            <a:r>
+              <a:rPr kumimoji="0" lang="es-419" altLang="es-419" sz="2400" b="0" i="0" u="none" strike="noStrike" cap="none" normalizeH="0" baseline="0" dirty="0">
+                <a:ln>
+                  <a:noFill/>
+                </a:ln>
+                <a:solidFill>
+                  <a:srgbClr val="000000"/>
+                </a:solidFill>
+                <a:effectLst/>
+                <a:latin typeface="Courier New" panose="02070309020205020404" pitchFamily="49" charset="0"/>
+                <a:cs typeface="Courier New" panose="02070309020205020404" pitchFamily="49" charset="0"/>
+              </a:rPr>
+              <a:t>),(</a:t>
+            </a:r>
+            <a:r>
+              <a:rPr kumimoji="0" lang="es-419" altLang="es-419" sz="2400" b="1" i="0" u="none" strike="noStrike" cap="none" normalizeH="0" baseline="0" dirty="0">
+                <a:ln>
+                  <a:noFill/>
+                </a:ln>
+                <a:solidFill>
+                  <a:srgbClr val="008080"/>
+                </a:solidFill>
+                <a:effectLst/>
+                <a:latin typeface="Courier New" panose="02070309020205020404" pitchFamily="49" charset="0"/>
+                <a:cs typeface="Courier New" panose="02070309020205020404" pitchFamily="49" charset="0"/>
+              </a:rPr>
+              <a:t>"pera"</a:t>
+            </a:r>
+            <a:r>
+              <a:rPr kumimoji="0" lang="es-419" altLang="es-419" sz="2400" b="0" i="0" u="none" strike="noStrike" cap="none" normalizeH="0" baseline="0" dirty="0">
+                <a:ln>
+                  <a:noFill/>
+                </a:ln>
+                <a:solidFill>
+                  <a:srgbClr val="000000"/>
+                </a:solidFill>
+                <a:effectLst/>
+                <a:latin typeface="Courier New" panose="02070309020205020404" pitchFamily="49" charset="0"/>
+                <a:cs typeface="Courier New" panose="02070309020205020404" pitchFamily="49" charset="0"/>
+              </a:rPr>
+              <a:t>,</a:t>
+            </a:r>
+            <a:r>
+              <a:rPr kumimoji="0" lang="es-419" altLang="es-419" sz="2400" b="0" i="0" u="none" strike="noStrike" cap="none" normalizeH="0" baseline="0" dirty="0">
+                <a:ln>
+                  <a:noFill/>
+                </a:ln>
+                <a:solidFill>
+                  <a:srgbClr val="0000FF"/>
+                </a:solidFill>
+                <a:effectLst/>
+                <a:latin typeface="Courier New" panose="02070309020205020404" pitchFamily="49" charset="0"/>
+                <a:cs typeface="Courier New" panose="02070309020205020404" pitchFamily="49" charset="0"/>
+              </a:rPr>
+              <a:t>3</a:t>
+            </a:r>
+            <a:r>
+              <a:rPr kumimoji="0" lang="es-419" altLang="es-419" sz="2400" b="0" i="0" u="none" strike="noStrike" cap="none" normalizeH="0" baseline="0" dirty="0">
+                <a:ln>
+                  <a:noFill/>
+                </a:ln>
+                <a:solidFill>
+                  <a:srgbClr val="000000"/>
+                </a:solidFill>
+                <a:effectLst/>
+                <a:latin typeface="Courier New" panose="02070309020205020404" pitchFamily="49" charset="0"/>
+                <a:cs typeface="Courier New" panose="02070309020205020404" pitchFamily="49" charset="0"/>
+              </a:rPr>
+              <a:t>,</a:t>
+            </a:r>
+            <a:r>
+              <a:rPr kumimoji="0" lang="es-419" altLang="es-419" sz="2400" b="0" i="0" u="none" strike="noStrike" cap="none" normalizeH="0" baseline="0" dirty="0">
+                <a:ln>
+                  <a:noFill/>
+                </a:ln>
+                <a:solidFill>
+                  <a:srgbClr val="0000FF"/>
+                </a:solidFill>
+                <a:effectLst/>
+                <a:latin typeface="Courier New" panose="02070309020205020404" pitchFamily="49" charset="0"/>
+                <a:cs typeface="Courier New" panose="02070309020205020404" pitchFamily="49" charset="0"/>
+              </a:rPr>
+              <a:t>15</a:t>
+            </a:r>
+            <a:r>
+              <a:rPr kumimoji="0" lang="es-419" altLang="es-419" sz="2400" b="0" i="0" u="none" strike="noStrike" cap="none" normalizeH="0" baseline="0" dirty="0">
+                <a:ln>
+                  <a:noFill/>
+                </a:ln>
+                <a:solidFill>
+                  <a:srgbClr val="000000"/>
+                </a:solidFill>
+                <a:effectLst/>
+                <a:latin typeface="Courier New" panose="02070309020205020404" pitchFamily="49" charset="0"/>
+                <a:cs typeface="Courier New" panose="02070309020205020404" pitchFamily="49" charset="0"/>
+              </a:rPr>
+              <a:t>)]</a:t>
+            </a:r>
+            <a:endParaRPr kumimoji="0" lang="es-419" altLang="es-419" sz="2400" b="0" i="0" u="none" strike="noStrike" cap="none" normalizeH="0" baseline="0" dirty="0">
+              <a:ln>
+                <a:noFill/>
+              </a:ln>
+              <a:solidFill>
+                <a:schemeClr val="tx1"/>
+              </a:solidFill>
+              <a:effectLst/>
+              <a:latin typeface="Arial" panose="020B0604020202020204" pitchFamily="34" charset="0"/>
+            </a:endParaRPr>
+          </a:p>
+        </p:txBody>
+      </p:sp>
+    </p:spTree>
+    <p:extLst>
+      <p:ext uri="{BB962C8B-B14F-4D97-AF65-F5344CB8AC3E}">
+        <p14:creationId xmlns:p14="http://schemas.microsoft.com/office/powerpoint/2010/main" val="4206098734"/>
+      </p:ext>
+    </p:extLst>
+  </p:cSld>
+  <p:clrMapOvr>
+    <a:masterClrMapping/>
+  </p:clrMapOvr>
+</p:sld>
+</file>
+
+<file path=ppt/slides/slide34.xml><?xml version="1.0" encoding="utf-8"?>
+<p:sld xmlns:a="http://schemas.openxmlformats.org/drawingml/2006/main" xmlns:r="http://schemas.openxmlformats.org/officeDocument/2006/relationships" xmlns:p="http://schemas.openxmlformats.org/presentationml/2006/main">
+  <p:cSld>
+    <p:spTree>
+      <p:nvGrpSpPr>
+        <p:cNvPr id="1" name=""/>
+        <p:cNvGrpSpPr/>
+        <p:nvPr/>
+      </p:nvGrpSpPr>
+      <p:grpSpPr>
+        <a:xfrm>
+          <a:off x="0" y="0"/>
+          <a:ext cx="0" cy="0"/>
+          <a:chOff x="0" y="0"/>
+          <a:chExt cx="0" cy="0"/>
+        </a:xfrm>
+      </p:grpSpPr>
+      <p:sp>
+        <p:nvSpPr>
+          <p:cNvPr id="2" name="Título 1">
+            <a:extLst>
+              <a:ext uri="{FF2B5EF4-FFF2-40B4-BE49-F238E27FC236}">
                 <a16:creationId xmlns:a16="http://schemas.microsoft.com/office/drawing/2014/main" id="{F264FE4B-0D9F-406A-96E5-677345DB3222}"/>
               </a:ext>
             </a:extLst>
@@ -11728,15 +12264,7 @@
           <a:p>
             <a:r>
               <a:rPr lang="es-419" dirty="0"/>
-              <a:t>La Resistencia, después de un fuerte enfrentamiento con la Primera Orden y la muerte de Luke </a:t>
-            </a:r>
-            <a:r>
-              <a:rPr lang="es-419" dirty="0" err="1"/>
-              <a:t>Skywalker</a:t>
-            </a:r>
-            <a:r>
-              <a:rPr lang="es-419" dirty="0"/>
-              <a:t> &gt;:(, hace un reporte llamado reporteResistencia.txt de todo lo que poseen con el siguiente formato (los </a:t>
+              <a:t>La Resistencia, después de un fuerte enfrentamiento con la Primera Orden y la muerte de *spoiler* hace un reporte llamado reporteResistencia.txt de todo lo que poseen con el siguiente formato (los </a:t>
             </a:r>
             <a:r>
               <a:rPr lang="es-419" dirty="0" err="1"/>
@@ -11828,7 +12356,7 @@
 </p:sld>
 </file>
 
-<file path=ppt/slides/slide34.xml><?xml version="1.0" encoding="utf-8"?>
+<file path=ppt/slides/slide35.xml><?xml version="1.0" encoding="utf-8"?>
 <p:sld xmlns:a="http://schemas.openxmlformats.org/drawingml/2006/main" xmlns:r="http://schemas.openxmlformats.org/officeDocument/2006/relationships" xmlns:p="http://schemas.openxmlformats.org/presentationml/2006/main">
   <p:cSld>
     <p:spTree>

--- a/Ejercicios/Ejercicios.pptx
+++ b/Ejercicios/Ejercicios.pptx
@@ -146,10 +146,6 @@
 </p:presentation>
 </file>
 
-<file path=ppt/revisionInfo.xml><?xml version="1.0" encoding="utf-8"?>
-<p1510:revInfo xmlns:a="http://schemas.openxmlformats.org/drawingml/2006/main" xmlns:r="http://schemas.openxmlformats.org/officeDocument/2006/relationships" xmlns:p1510="http://schemas.microsoft.com/office/powerpoint/2015/10/main"/>
-</file>
-
 <file path=ppt/slideLayouts/slideLayout1.xml><?xml version="1.0" encoding="utf-8"?>
 <p:sldLayout xmlns:a="http://schemas.openxmlformats.org/drawingml/2006/main" xmlns:r="http://schemas.openxmlformats.org/officeDocument/2006/relationships" xmlns:p="http://schemas.openxmlformats.org/presentationml/2006/main" showMasterSp="0" type="title" preserve="1">
   <p:cSld name="Diapositiva de título">
@@ -320,7 +316,7 @@
             <a:fld id="{87DE6118-2437-4B30-8E3C-4D2BE6020583}" type="datetimeFigureOut">
               <a:rPr lang="en-US" dirty="0"/>
               <a:pPr/>
-              <a:t>1/10/2018</a:t>
+              <a:t>6/4/2018</a:t>
             </a:fld>
             <a:endParaRPr lang="en-US" dirty="0"/>
           </a:p>
@@ -646,7 +642,7 @@
           <a:p>
             <a:fld id="{87DE6118-2437-4B30-8E3C-4D2BE6020583}" type="datetimeFigureOut">
               <a:rPr lang="en-US" dirty="0"/>
-              <a:t>1/10/2018</a:t>
+              <a:t>6/4/2018</a:t>
             </a:fld>
             <a:endParaRPr lang="en-US" dirty="0"/>
           </a:p>
@@ -821,7 +817,7 @@
           <a:p>
             <a:fld id="{87DE6118-2437-4B30-8E3C-4D2BE6020583}" type="datetimeFigureOut">
               <a:rPr lang="en-US" dirty="0"/>
-              <a:t>1/10/2018</a:t>
+              <a:t>6/4/2018</a:t>
             </a:fld>
             <a:endParaRPr lang="en-US" dirty="0"/>
           </a:p>
@@ -986,7 +982,7 @@
           <a:p>
             <a:fld id="{87DE6118-2437-4B30-8E3C-4D2BE6020583}" type="datetimeFigureOut">
               <a:rPr lang="en-US" dirty="0"/>
-              <a:t>1/10/2018</a:t>
+              <a:t>6/4/2018</a:t>
             </a:fld>
             <a:endParaRPr lang="en-US" dirty="0"/>
           </a:p>
@@ -1259,7 +1255,7 @@
             <a:fld id="{87DE6118-2437-4B30-8E3C-4D2BE6020583}" type="datetimeFigureOut">
               <a:rPr lang="en-US" dirty="0"/>
               <a:pPr/>
-              <a:t>1/10/2018</a:t>
+              <a:t>6/4/2018</a:t>
             </a:fld>
             <a:endParaRPr lang="en-US" dirty="0"/>
           </a:p>
@@ -1649,7 +1645,7 @@
           <a:p>
             <a:fld id="{87DE6118-2437-4B30-8E3C-4D2BE6020583}" type="datetimeFigureOut">
               <a:rPr lang="en-US" dirty="0"/>
-              <a:t>1/10/2018</a:t>
+              <a:t>6/4/2018</a:t>
             </a:fld>
             <a:endParaRPr lang="en-US" dirty="0"/>
           </a:p>
@@ -2121,7 +2117,7 @@
           <a:p>
             <a:fld id="{87DE6118-2437-4B30-8E3C-4D2BE6020583}" type="datetimeFigureOut">
               <a:rPr lang="en-US" dirty="0"/>
-              <a:t>1/10/2018</a:t>
+              <a:t>6/4/2018</a:t>
             </a:fld>
             <a:endParaRPr lang="en-US" dirty="0"/>
           </a:p>
@@ -2234,7 +2230,7 @@
           <a:p>
             <a:fld id="{87DE6118-2437-4B30-8E3C-4D2BE6020583}" type="datetimeFigureOut">
               <a:rPr lang="en-US" dirty="0"/>
-              <a:t>1/10/2018</a:t>
+              <a:t>6/4/2018</a:t>
             </a:fld>
             <a:endParaRPr lang="en-US" dirty="0"/>
           </a:p>
@@ -2324,7 +2320,7 @@
           <a:p>
             <a:fld id="{87DE6118-2437-4B30-8E3C-4D2BE6020583}" type="datetimeFigureOut">
               <a:rPr lang="en-US" dirty="0"/>
-              <a:t>1/10/2018</a:t>
+              <a:t>6/4/2018</a:t>
             </a:fld>
             <a:endParaRPr lang="en-US" dirty="0"/>
           </a:p>
@@ -2666,7 +2662,7 @@
             <a:fld id="{87DE6118-2437-4B30-8E3C-4D2BE6020583}" type="datetimeFigureOut">
               <a:rPr lang="en-US" dirty="0"/>
               <a:pPr/>
-              <a:t>1/10/2018</a:t>
+              <a:t>6/4/2018</a:t>
             </a:fld>
             <a:endParaRPr lang="en-US" dirty="0"/>
           </a:p>
@@ -3051,7 +3047,7 @@
             <a:fld id="{87DE6118-2437-4B30-8E3C-4D2BE6020583}" type="datetimeFigureOut">
               <a:rPr lang="en-US" dirty="0"/>
               <a:pPr/>
-              <a:t>1/10/2018</a:t>
+              <a:t>6/4/2018</a:t>
             </a:fld>
             <a:endParaRPr lang="en-US" dirty="0"/>
           </a:p>
@@ -3326,7 +3322,7 @@
             <a:fld id="{87DE6118-2437-4B30-8E3C-4D2BE6020583}" type="datetimeFigureOut">
               <a:rPr lang="en-US" dirty="0"/>
               <a:pPr/>
-              <a:t>1/10/2018</a:t>
+              <a:t>6/4/2018</a:t>
             </a:fld>
             <a:endParaRPr lang="en-US" dirty="0"/>
           </a:p>
@@ -4310,31 +4306,6 @@
           </a:prstGeom>
         </p:spPr>
       </p:pic>
-      <p:sp>
-        <p:nvSpPr>
-          <p:cNvPr id="3" name="Marcador de contenido 2">
-            <a:extLst>
-              <a:ext uri="{FF2B5EF4-FFF2-40B4-BE49-F238E27FC236}">
-                <a16:creationId xmlns:a16="http://schemas.microsoft.com/office/drawing/2014/main" id="{683292AA-2BDE-4DB6-902F-C03B7BC172CE}"/>
-              </a:ext>
-            </a:extLst>
-          </p:cNvPr>
-          <p:cNvSpPr>
-            <a:spLocks noGrp="1"/>
-          </p:cNvSpPr>
-          <p:nvPr>
-            <p:ph idx="1"/>
-          </p:nvPr>
-        </p:nvSpPr>
-        <p:spPr/>
-        <p:txBody>
-          <a:bodyPr/>
-          <a:lstStyle/>
-          <a:p>
-            <a:endParaRPr lang="es-419" dirty="0"/>
-          </a:p>
-        </p:txBody>
-      </p:sp>
     </p:spTree>
     <p:extLst>
       <p:ext uri="{BB962C8B-B14F-4D97-AF65-F5344CB8AC3E}">
@@ -12724,7 +12695,7 @@
         </p:nvGraphicFramePr>
         <p:xfrm>
           <a:off x="1295400" y="1056923"/>
-          <a:ext cx="9601200" cy="5296853"/>
+          <a:ext cx="9601200" cy="5132837"/>
         </p:xfrm>
         <a:graphic>
           <a:graphicData uri="http://schemas.openxmlformats.org/drawingml/2006/table">
@@ -13913,7 +13884,7 @@
         </p:nvGraphicFramePr>
         <p:xfrm>
           <a:off x="1295400" y="1056923"/>
-          <a:ext cx="9601200" cy="8786500"/>
+          <a:ext cx="9601200" cy="8613140"/>
         </p:xfrm>
         <a:graphic>
           <a:graphicData uri="http://schemas.openxmlformats.org/drawingml/2006/table">
